--- a/CSDT-Presentación.pptx
+++ b/CSDT-Presentación.pptx
@@ -3642,7 +3642,7 @@
         </p:nvSpPr>
         <p:spPr>
           <a:xfrm>
-            <a:off x="334712" y="1671690"/>
+            <a:off x="566871" y="1394496"/>
             <a:ext cx="11058257" cy="630942"/>
           </a:xfrm>
           <a:prstGeom prst="rect">
@@ -3676,6 +3676,188 @@
           </a:p>
         </p:txBody>
       </p:sp>
+      <p:sp>
+        <p:nvSpPr>
+          <p:cNvPr id="5" name="CuadroTexto 4">
+            <a:extLst>
+              <a:ext uri="{FF2B5EF4-FFF2-40B4-BE49-F238E27FC236}">
+                <a16:creationId xmlns:a16="http://schemas.microsoft.com/office/drawing/2014/main" id="{80BD6F21-11F7-FD3F-3CB9-9CE5F564D757}"/>
+              </a:ext>
+            </a:extLst>
+          </p:cNvPr>
+          <p:cNvSpPr txBox="1"/>
+          <p:nvPr/>
+        </p:nvSpPr>
+        <p:spPr>
+          <a:xfrm>
+            <a:off x="-2436481" y="5832455"/>
+            <a:ext cx="11058257" cy="400110"/>
+          </a:xfrm>
+          <a:prstGeom prst="rect">
+            <a:avLst/>
+          </a:prstGeom>
+          <a:noFill/>
+        </p:spPr>
+        <p:txBody>
+          <a:bodyPr wrap="square" rtlCol="0">
+            <a:spAutoFit/>
+          </a:bodyPr>
+          <a:lstStyle/>
+          <a:p>
+            <a:pPr algn="ctr"/>
+            <a:r>
+              <a:rPr lang="en-US" sz="2000" dirty="0">
+                <a:solidFill>
+                  <a:srgbClr val="FF0000"/>
+                </a:solidFill>
+              </a:rPr>
+              <a:t>Paper – </a:t>
+            </a:r>
+            <a:r>
+              <a:rPr lang="en-US" sz="2000" dirty="0" err="1">
+                <a:solidFill>
+                  <a:srgbClr val="FF0000"/>
+                </a:solidFill>
+              </a:rPr>
+              <a:t>Documento</a:t>
+            </a:r>
+            <a:r>
+              <a:rPr lang="en-US" sz="2000" dirty="0">
+                <a:solidFill>
+                  <a:srgbClr val="FF0000"/>
+                </a:solidFill>
+              </a:rPr>
+              <a:t> de </a:t>
+            </a:r>
+            <a:r>
+              <a:rPr lang="en-US" sz="2000" dirty="0" err="1">
+                <a:solidFill>
+                  <a:srgbClr val="FF0000"/>
+                </a:solidFill>
+              </a:rPr>
+              <a:t>resumen</a:t>
+            </a:r>
+            <a:endParaRPr lang="en-US" sz="3500" dirty="0">
+              <a:solidFill>
+                <a:srgbClr val="FF0000"/>
+              </a:solidFill>
+            </a:endParaRPr>
+          </a:p>
+        </p:txBody>
+      </p:sp>
+      <p:pic>
+        <p:nvPicPr>
+          <p:cNvPr id="7" name="Imagen 6">
+            <a:extLst>
+              <a:ext uri="{FF2B5EF4-FFF2-40B4-BE49-F238E27FC236}">
+                <a16:creationId xmlns:a16="http://schemas.microsoft.com/office/drawing/2014/main" id="{81BA33D9-6D83-05B6-AB09-DE81613AD56D}"/>
+              </a:ext>
+            </a:extLst>
+          </p:cNvPr>
+          <p:cNvPicPr>
+            <a:picLocks noChangeAspect="1"/>
+          </p:cNvPicPr>
+          <p:nvPr/>
+        </p:nvPicPr>
+        <p:blipFill>
+          <a:blip r:embed="rId2"/>
+          <a:stretch>
+            <a:fillRect/>
+          </a:stretch>
+        </p:blipFill>
+        <p:spPr>
+          <a:xfrm>
+            <a:off x="7569748" y="2403455"/>
+            <a:ext cx="3429000" cy="3429000"/>
+          </a:xfrm>
+          <a:prstGeom prst="rect">
+            <a:avLst/>
+          </a:prstGeom>
+        </p:spPr>
+      </p:pic>
+      <p:sp>
+        <p:nvSpPr>
+          <p:cNvPr id="8" name="CuadroTexto 7">
+            <a:extLst>
+              <a:ext uri="{FF2B5EF4-FFF2-40B4-BE49-F238E27FC236}">
+                <a16:creationId xmlns:a16="http://schemas.microsoft.com/office/drawing/2014/main" id="{24B4D357-3003-E8AA-A042-A95E174A02B8}"/>
+              </a:ext>
+            </a:extLst>
+          </p:cNvPr>
+          <p:cNvSpPr txBox="1"/>
+          <p:nvPr/>
+        </p:nvSpPr>
+        <p:spPr>
+          <a:xfrm>
+            <a:off x="3671144" y="5810362"/>
+            <a:ext cx="11058257" cy="400110"/>
+          </a:xfrm>
+          <a:prstGeom prst="rect">
+            <a:avLst/>
+          </a:prstGeom>
+          <a:noFill/>
+        </p:spPr>
+        <p:txBody>
+          <a:bodyPr wrap="square" rtlCol="0">
+            <a:spAutoFit/>
+          </a:bodyPr>
+          <a:lstStyle/>
+          <a:p>
+            <a:pPr algn="ctr"/>
+            <a:r>
+              <a:rPr lang="en-US" sz="2000" dirty="0" err="1">
+                <a:solidFill>
+                  <a:srgbClr val="FF0000"/>
+                </a:solidFill>
+              </a:rPr>
+              <a:t>Repositorio</a:t>
+            </a:r>
+            <a:r>
+              <a:rPr lang="en-US" sz="2000" dirty="0">
+                <a:solidFill>
+                  <a:srgbClr val="FF0000"/>
+                </a:solidFill>
+              </a:rPr>
+              <a:t> de Código Fuente</a:t>
+            </a:r>
+            <a:endParaRPr lang="en-US" sz="3500" dirty="0">
+              <a:solidFill>
+                <a:srgbClr val="FF0000"/>
+              </a:solidFill>
+            </a:endParaRPr>
+          </a:p>
+        </p:txBody>
+      </p:sp>
+      <p:pic>
+        <p:nvPicPr>
+          <p:cNvPr id="12" name="Imagen 11">
+            <a:extLst>
+              <a:ext uri="{FF2B5EF4-FFF2-40B4-BE49-F238E27FC236}">
+                <a16:creationId xmlns:a16="http://schemas.microsoft.com/office/drawing/2014/main" id="{B283F255-30BC-E5DA-11D5-49597ADFA1CF}"/>
+              </a:ext>
+            </a:extLst>
+          </p:cNvPr>
+          <p:cNvPicPr>
+            <a:picLocks noChangeAspect="1"/>
+          </p:cNvPicPr>
+          <p:nvPr/>
+        </p:nvPicPr>
+        <p:blipFill>
+          <a:blip r:embed="rId3"/>
+          <a:stretch>
+            <a:fillRect/>
+          </a:stretch>
+        </p:blipFill>
+        <p:spPr>
+          <a:xfrm>
+            <a:off x="1378147" y="2423253"/>
+            <a:ext cx="3429000" cy="3429000"/>
+          </a:xfrm>
+          <a:prstGeom prst="rect">
+            <a:avLst/>
+          </a:prstGeom>
+        </p:spPr>
+      </p:pic>
     </p:spTree>
     <p:extLst>
       <p:ext uri="{BB962C8B-B14F-4D97-AF65-F5344CB8AC3E}">

--- a/CSDT-Presentación.pptx
+++ b/CSDT-Presentación.pptx
@@ -9,16 +9,16 @@
   </p:notesMasterIdLst>
   <p:sldIdLst>
     <p:sldId id="256" r:id="rId2"/>
-    <p:sldId id="267" r:id="rId3"/>
-    <p:sldId id="257" r:id="rId4"/>
-    <p:sldId id="262" r:id="rId5"/>
-    <p:sldId id="263" r:id="rId6"/>
-    <p:sldId id="259" r:id="rId7"/>
-    <p:sldId id="260" r:id="rId8"/>
-    <p:sldId id="261" r:id="rId9"/>
-    <p:sldId id="264" r:id="rId10"/>
-    <p:sldId id="265" r:id="rId11"/>
-    <p:sldId id="266" r:id="rId12"/>
+    <p:sldId id="257" r:id="rId3"/>
+    <p:sldId id="262" r:id="rId4"/>
+    <p:sldId id="263" r:id="rId5"/>
+    <p:sldId id="259" r:id="rId6"/>
+    <p:sldId id="260" r:id="rId7"/>
+    <p:sldId id="261" r:id="rId8"/>
+    <p:sldId id="264" r:id="rId9"/>
+    <p:sldId id="265" r:id="rId10"/>
+    <p:sldId id="266" r:id="rId11"/>
+    <p:sldId id="267" r:id="rId12"/>
     <p:sldId id="258" r:id="rId13"/>
   </p:sldIdLst>
   <p:sldSz cx="12192000" cy="6858000"/>
@@ -3103,59 +3103,51 @@
           </a:extLst>
         </p:spPr>
       </p:pic>
-      <p:pic>
-        <p:nvPicPr>
-          <p:cNvPr id="8194" name="Picture 2">
+      <p:sp>
+        <p:nvSpPr>
+          <p:cNvPr id="8" name="CuadroTexto 7">
             <a:extLst>
               <a:ext uri="{FF2B5EF4-FFF2-40B4-BE49-F238E27FC236}">
-                <a16:creationId xmlns:a16="http://schemas.microsoft.com/office/drawing/2014/main" id="{AAEC72B7-65B6-851C-6DAB-DD1DCA20BBD6}"/>
+                <a16:creationId xmlns:a16="http://schemas.microsoft.com/office/drawing/2014/main" id="{436CB263-1F68-ACE4-06B5-6A6495F7C91B}"/>
               </a:ext>
             </a:extLst>
           </p:cNvPr>
-          <p:cNvPicPr>
-            <a:picLocks noChangeAspect="1" noChangeArrowheads="1"/>
-          </p:cNvPicPr>
+          <p:cNvSpPr txBox="1"/>
           <p:nvPr/>
-        </p:nvPicPr>
-        <p:blipFill>
-          <a:blip r:embed="rId3">
-            <a:extLst>
-              <a:ext uri="{28A0092B-C50C-407E-A947-70E740481C1C}">
-                <a14:useLocalDpi xmlns:a14="http://schemas.microsoft.com/office/drawing/2010/main" val="0"/>
-              </a:ext>
-            </a:extLst>
-          </a:blip>
-          <a:srcRect/>
-          <a:stretch>
-            <a:fillRect/>
-          </a:stretch>
-        </p:blipFill>
-        <p:spPr bwMode="auto">
-          <a:xfrm>
-            <a:off x="660928" y="2278021"/>
-            <a:ext cx="5545363" cy="3769899"/>
+        </p:nvSpPr>
+        <p:spPr>
+          <a:xfrm>
+            <a:off x="2490690" y="6474698"/>
+            <a:ext cx="11799277" cy="307777"/>
           </a:xfrm>
           <a:prstGeom prst="rect">
             <a:avLst/>
           </a:prstGeom>
           <a:noFill/>
-          <a:extLst>
-            <a:ext uri="{909E8E84-426E-40DD-AFC4-6F175D3DCCD1}">
-              <a14:hiddenFill xmlns:a14="http://schemas.microsoft.com/office/drawing/2010/main">
-                <a:solidFill>
-                  <a:srgbClr val="FFFFFF"/>
-                </a:solidFill>
-              </a14:hiddenFill>
-            </a:ext>
-          </a:extLst>
-        </p:spPr>
-      </p:pic>
+        </p:spPr>
+        <p:txBody>
+          <a:bodyPr wrap="square" rtlCol="0">
+            <a:spAutoFit/>
+          </a:bodyPr>
+          <a:lstStyle/>
+          <a:p>
+            <a:r>
+              <a:rPr lang="en-US" sz="1400" b="0" i="0" dirty="0">
+                <a:effectLst/>
+                <a:latin typeface="Arial" panose="020B0604020202020204" pitchFamily="34" charset="0"/>
+              </a:rPr>
+              <a:t>S. C. M. Reyes, “Player,” https://github.com/sc-martinez/Player/blob/master/ATAM%2BQAW.md, 2022.</a:t>
+            </a:r>
+            <a:endParaRPr lang="en-US" sz="1400" dirty="0"/>
+          </a:p>
+        </p:txBody>
+      </p:sp>
       <p:pic>
         <p:nvPicPr>
-          <p:cNvPr id="5" name="Imagen 4">
+          <p:cNvPr id="9" name="Imagen 8">
             <a:extLst>
               <a:ext uri="{FF2B5EF4-FFF2-40B4-BE49-F238E27FC236}">
-                <a16:creationId xmlns:a16="http://schemas.microsoft.com/office/drawing/2014/main" id="{671314E3-22E4-E53B-CFE9-5F6CC0021F9B}"/>
+                <a16:creationId xmlns:a16="http://schemas.microsoft.com/office/drawing/2014/main" id="{61617932-E4A1-9672-BB08-0C4D2A2D17A8}"/>
               </a:ext>
             </a:extLst>
           </p:cNvPr>
@@ -3165,64 +3157,25 @@
           <p:nvPr/>
         </p:nvPicPr>
         <p:blipFill>
-          <a:blip r:embed="rId4"/>
+          <a:blip r:embed="rId3"/>
           <a:stretch>
             <a:fillRect/>
           </a:stretch>
         </p:blipFill>
         <p:spPr>
           <a:xfrm>
-            <a:off x="6637174" y="2066879"/>
-            <a:ext cx="5151413" cy="4081994"/>
+            <a:off x="3682512" y="2066879"/>
+            <a:ext cx="4826976" cy="4222441"/>
           </a:xfrm>
           <a:prstGeom prst="rect">
             <a:avLst/>
           </a:prstGeom>
         </p:spPr>
       </p:pic>
-      <p:sp>
-        <p:nvSpPr>
-          <p:cNvPr id="8" name="CuadroTexto 7">
-            <a:extLst>
-              <a:ext uri="{FF2B5EF4-FFF2-40B4-BE49-F238E27FC236}">
-                <a16:creationId xmlns:a16="http://schemas.microsoft.com/office/drawing/2014/main" id="{436CB263-1F68-ACE4-06B5-6A6495F7C91B}"/>
-              </a:ext>
-            </a:extLst>
-          </p:cNvPr>
-          <p:cNvSpPr txBox="1"/>
-          <p:nvPr/>
-        </p:nvSpPr>
-        <p:spPr>
-          <a:xfrm>
-            <a:off x="2490690" y="6474698"/>
-            <a:ext cx="11799277" cy="307777"/>
-          </a:xfrm>
-          <a:prstGeom prst="rect">
-            <a:avLst/>
-          </a:prstGeom>
-          <a:noFill/>
-        </p:spPr>
-        <p:txBody>
-          <a:bodyPr wrap="square" rtlCol="0">
-            <a:spAutoFit/>
-          </a:bodyPr>
-          <a:lstStyle/>
-          <a:p>
-            <a:r>
-              <a:rPr lang="en-US" sz="1400" b="0" i="0" dirty="0">
-                <a:effectLst/>
-                <a:latin typeface="Arial" panose="020B0604020202020204" pitchFamily="34" charset="0"/>
-              </a:rPr>
-              <a:t>S. C. M. Reyes, “Player,” https://github.com/sc-martinez/Player/blob/master/ATAM%2BQAW.md, 2022.</a:t>
-            </a:r>
-            <a:endParaRPr lang="en-US" sz="1400" dirty="0"/>
-          </a:p>
-        </p:txBody>
-      </p:sp>
     </p:spTree>
     <p:extLst>
       <p:ext uri="{BB962C8B-B14F-4D97-AF65-F5344CB8AC3E}">
-        <p14:creationId xmlns:p14="http://schemas.microsoft.com/office/powerpoint/2010/main" val="4087989333"/>
+        <p14:creationId xmlns:p14="http://schemas.microsoft.com/office/powerpoint/2010/main" val="326994496"/>
       </p:ext>
     </p:extLst>
   </p:cSld>
@@ -3332,7 +3285,7 @@
           <p:cNvPr id="2" name="CuadroTexto 1">
             <a:extLst>
               <a:ext uri="{FF2B5EF4-FFF2-40B4-BE49-F238E27FC236}">
-                <a16:creationId xmlns:a16="http://schemas.microsoft.com/office/drawing/2014/main" id="{98EBB1BA-DC62-3C73-93C3-5E6DA118EDB2}"/>
+                <a16:creationId xmlns:a16="http://schemas.microsoft.com/office/drawing/2014/main" id="{D80F471C-D75B-BEC5-0050-0591D8413E2A}"/>
               </a:ext>
             </a:extLst>
           </p:cNvPr>
@@ -3341,8 +3294,8 @@
         </p:nvSpPr>
         <p:spPr>
           <a:xfrm>
-            <a:off x="1459846" y="1511906"/>
-            <a:ext cx="6176900" cy="461665"/>
+            <a:off x="566871" y="1394496"/>
+            <a:ext cx="11058257" cy="630942"/>
           </a:xfrm>
           <a:prstGeom prst="rect">
             <a:avLst/>
@@ -3355,78 +3308,32 @@
           </a:bodyPr>
           <a:lstStyle/>
           <a:p>
-            <a:r>
-              <a:rPr lang="en-US" sz="2400" dirty="0" err="1">
-                <a:solidFill>
-                  <a:srgbClr val="FF0000"/>
-                </a:solidFill>
-              </a:rPr>
-              <a:t>Arquitectura</a:t>
-            </a:r>
-            <a:r>
-              <a:rPr lang="en-US" sz="2400" dirty="0">
-                <a:solidFill>
-                  <a:srgbClr val="FF0000"/>
-                </a:solidFill>
-              </a:rPr>
-              <a:t> (ATAM + QAW)</a:t>
+            <a:pPr algn="ctr"/>
+            <a:r>
+              <a:rPr lang="en-US" sz="3500" dirty="0" err="1">
+                <a:solidFill>
+                  <a:srgbClr val="FF0000"/>
+                </a:solidFill>
+              </a:rPr>
+              <a:t>Acceso</a:t>
+            </a:r>
+            <a:r>
+              <a:rPr lang="en-US" sz="3500" dirty="0">
+                <a:solidFill>
+                  <a:srgbClr val="FF0000"/>
+                </a:solidFill>
+              </a:rPr>
+              <a:t> a material</a:t>
             </a:r>
           </a:p>
         </p:txBody>
       </p:sp>
-      <p:pic>
-        <p:nvPicPr>
-          <p:cNvPr id="3" name="Picture 10" descr="Arquitectura - Iconos gratis de arquitectura y ciudad">
-            <a:extLst>
-              <a:ext uri="{FF2B5EF4-FFF2-40B4-BE49-F238E27FC236}">
-                <a16:creationId xmlns:a16="http://schemas.microsoft.com/office/drawing/2014/main" id="{15FD2315-2DE5-E52D-2696-06B05C4DF620}"/>
-              </a:ext>
-            </a:extLst>
-          </p:cNvPr>
-          <p:cNvPicPr>
-            <a:picLocks noChangeAspect="1" noChangeArrowheads="1"/>
-          </p:cNvPicPr>
-          <p:nvPr/>
-        </p:nvPicPr>
-        <p:blipFill>
-          <a:blip r:embed="rId2" cstate="print">
-            <a:extLst>
-              <a:ext uri="{28A0092B-C50C-407E-A947-70E740481C1C}">
-                <a14:useLocalDpi xmlns:a14="http://schemas.microsoft.com/office/drawing/2010/main" val="0"/>
-              </a:ext>
-            </a:extLst>
-          </a:blip>
-          <a:srcRect/>
-          <a:stretch>
-            <a:fillRect/>
-          </a:stretch>
-        </p:blipFill>
-        <p:spPr bwMode="auto">
-          <a:xfrm>
-            <a:off x="660928" y="1267961"/>
-            <a:ext cx="798918" cy="798918"/>
-          </a:xfrm>
-          <a:prstGeom prst="rect">
-            <a:avLst/>
-          </a:prstGeom>
-          <a:noFill/>
-          <a:extLst>
-            <a:ext uri="{909E8E84-426E-40DD-AFC4-6F175D3DCCD1}">
-              <a14:hiddenFill xmlns:a14="http://schemas.microsoft.com/office/drawing/2010/main">
-                <a:solidFill>
-                  <a:srgbClr val="FFFFFF"/>
-                </a:solidFill>
-              </a14:hiddenFill>
-            </a:ext>
-          </a:extLst>
-        </p:spPr>
-      </p:pic>
       <p:sp>
         <p:nvSpPr>
-          <p:cNvPr id="8" name="CuadroTexto 7">
+          <p:cNvPr id="5" name="CuadroTexto 4">
             <a:extLst>
               <a:ext uri="{FF2B5EF4-FFF2-40B4-BE49-F238E27FC236}">
-                <a16:creationId xmlns:a16="http://schemas.microsoft.com/office/drawing/2014/main" id="{436CB263-1F68-ACE4-06B5-6A6495F7C91B}"/>
+                <a16:creationId xmlns:a16="http://schemas.microsoft.com/office/drawing/2014/main" id="{80BD6F21-11F7-FD3F-3CB9-9CE5F564D757}"/>
               </a:ext>
             </a:extLst>
           </p:cNvPr>
@@ -3435,8 +3342,8 @@
         </p:nvSpPr>
         <p:spPr>
           <a:xfrm>
-            <a:off x="2490690" y="6474698"/>
-            <a:ext cx="11799277" cy="307777"/>
+            <a:off x="-2436481" y="5832455"/>
+            <a:ext cx="11058257" cy="400110"/>
           </a:xfrm>
           <a:prstGeom prst="rect">
             <a:avLst/>
@@ -3449,23 +3356,106 @@
           </a:bodyPr>
           <a:lstStyle/>
           <a:p>
-            <a:r>
-              <a:rPr lang="en-US" sz="1400" b="0" i="0" dirty="0">
-                <a:effectLst/>
-                <a:latin typeface="Arial" panose="020B0604020202020204" pitchFamily="34" charset="0"/>
-              </a:rPr>
-              <a:t>S. C. M. Reyes, “Player,” https://github.com/sc-martinez/Player/blob/master/ATAM%2BQAW.md, 2022.</a:t>
-            </a:r>
-            <a:endParaRPr lang="en-US" sz="1400" dirty="0"/>
+            <a:pPr algn="ctr"/>
+            <a:r>
+              <a:rPr lang="en-US" sz="2000" dirty="0">
+                <a:solidFill>
+                  <a:srgbClr val="FF0000"/>
+                </a:solidFill>
+              </a:rPr>
+              <a:t>Paper – </a:t>
+            </a:r>
+            <a:r>
+              <a:rPr lang="en-US" sz="2000" dirty="0" err="1">
+                <a:solidFill>
+                  <a:srgbClr val="FF0000"/>
+                </a:solidFill>
+              </a:rPr>
+              <a:t>Documento</a:t>
+            </a:r>
+            <a:r>
+              <a:rPr lang="en-US" sz="2000" dirty="0">
+                <a:solidFill>
+                  <a:srgbClr val="FF0000"/>
+                </a:solidFill>
+              </a:rPr>
+              <a:t> de </a:t>
+            </a:r>
+            <a:r>
+              <a:rPr lang="en-US" sz="2000" dirty="0" err="1">
+                <a:solidFill>
+                  <a:srgbClr val="FF0000"/>
+                </a:solidFill>
+              </a:rPr>
+              <a:t>resumen</a:t>
+            </a:r>
+            <a:endParaRPr lang="en-US" sz="3500" dirty="0">
+              <a:solidFill>
+                <a:srgbClr val="FF0000"/>
+              </a:solidFill>
+            </a:endParaRPr>
+          </a:p>
+        </p:txBody>
+      </p:sp>
+      <p:sp>
+        <p:nvSpPr>
+          <p:cNvPr id="8" name="CuadroTexto 7">
+            <a:extLst>
+              <a:ext uri="{FF2B5EF4-FFF2-40B4-BE49-F238E27FC236}">
+                <a16:creationId xmlns:a16="http://schemas.microsoft.com/office/drawing/2014/main" id="{24B4D357-3003-E8AA-A042-A95E174A02B8}"/>
+              </a:ext>
+            </a:extLst>
+          </p:cNvPr>
+          <p:cNvSpPr txBox="1"/>
+          <p:nvPr/>
+        </p:nvSpPr>
+        <p:spPr>
+          <a:xfrm>
+            <a:off x="3671144" y="5810362"/>
+            <a:ext cx="11058257" cy="400110"/>
+          </a:xfrm>
+          <a:prstGeom prst="rect">
+            <a:avLst/>
+          </a:prstGeom>
+          <a:noFill/>
+        </p:spPr>
+        <p:txBody>
+          <a:bodyPr wrap="square" rtlCol="0">
+            <a:spAutoFit/>
+          </a:bodyPr>
+          <a:lstStyle/>
+          <a:p>
+            <a:pPr algn="ctr"/>
+            <a:r>
+              <a:rPr lang="en-US" sz="2000" dirty="0" err="1">
+                <a:solidFill>
+                  <a:srgbClr val="FF0000"/>
+                </a:solidFill>
+              </a:rPr>
+              <a:t>Repositorio</a:t>
+            </a:r>
+            <a:r>
+              <a:rPr lang="en-US" sz="2000" dirty="0">
+                <a:solidFill>
+                  <a:srgbClr val="FF0000"/>
+                </a:solidFill>
+              </a:rPr>
+              <a:t> de Código Fuente</a:t>
+            </a:r>
+            <a:endParaRPr lang="en-US" sz="3500" dirty="0">
+              <a:solidFill>
+                <a:srgbClr val="FF0000"/>
+              </a:solidFill>
+            </a:endParaRPr>
           </a:p>
         </p:txBody>
       </p:sp>
       <p:pic>
         <p:nvPicPr>
-          <p:cNvPr id="9" name="Imagen 8">
+          <p:cNvPr id="4" name="Imagen 3" descr="Código QR&#10;&#10;Descripción generada automáticamente">
             <a:extLst>
               <a:ext uri="{FF2B5EF4-FFF2-40B4-BE49-F238E27FC236}">
-                <a16:creationId xmlns:a16="http://schemas.microsoft.com/office/drawing/2014/main" id="{61617932-E4A1-9672-BB08-0C4D2A2D17A8}"/>
+                <a16:creationId xmlns:a16="http://schemas.microsoft.com/office/drawing/2014/main" id="{FD5F81F0-AD5F-B435-D261-5E57215DA44B}"/>
               </a:ext>
             </a:extLst>
           </p:cNvPr>
@@ -3475,15 +3465,57 @@
           <p:nvPr/>
         </p:nvPicPr>
         <p:blipFill>
-          <a:blip r:embed="rId3"/>
+          <a:blip r:embed="rId2" cstate="print">
+            <a:extLst>
+              <a:ext uri="{28A0092B-C50C-407E-A947-70E740481C1C}">
+                <a14:useLocalDpi xmlns:a14="http://schemas.microsoft.com/office/drawing/2010/main" val="0"/>
+              </a:ext>
+            </a:extLst>
+          </a:blip>
           <a:stretch>
             <a:fillRect/>
           </a:stretch>
         </p:blipFill>
         <p:spPr>
           <a:xfrm>
-            <a:off x="3682512" y="2066879"/>
-            <a:ext cx="4826976" cy="4222441"/>
+            <a:off x="1586895" y="2612203"/>
+            <a:ext cx="3011503" cy="3011503"/>
+          </a:xfrm>
+          <a:prstGeom prst="rect">
+            <a:avLst/>
+          </a:prstGeom>
+        </p:spPr>
+      </p:pic>
+      <p:pic>
+        <p:nvPicPr>
+          <p:cNvPr id="11" name="Imagen 10" descr="Código QR&#10;&#10;Descripción generada automáticamente">
+            <a:extLst>
+              <a:ext uri="{FF2B5EF4-FFF2-40B4-BE49-F238E27FC236}">
+                <a16:creationId xmlns:a16="http://schemas.microsoft.com/office/drawing/2014/main" id="{E7567DBA-EB70-D293-0B47-769AE6C51663}"/>
+              </a:ext>
+            </a:extLst>
+          </p:cNvPr>
+          <p:cNvPicPr>
+            <a:picLocks noChangeAspect="1"/>
+          </p:cNvPicPr>
+          <p:nvPr/>
+        </p:nvPicPr>
+        <p:blipFill>
+          <a:blip r:embed="rId3" cstate="print">
+            <a:extLst>
+              <a:ext uri="{28A0092B-C50C-407E-A947-70E740481C1C}">
+                <a14:useLocalDpi xmlns:a14="http://schemas.microsoft.com/office/drawing/2010/main" val="0"/>
+              </a:ext>
+            </a:extLst>
+          </a:blip>
+          <a:stretch>
+            <a:fillRect/>
+          </a:stretch>
+        </p:blipFill>
+        <p:spPr>
+          <a:xfrm>
+            <a:off x="7593604" y="2561497"/>
+            <a:ext cx="3189960" cy="3189960"/>
           </a:xfrm>
           <a:prstGeom prst="rect">
             <a:avLst/>
@@ -3493,91 +3525,13 @@
     </p:spTree>
     <p:extLst>
       <p:ext uri="{BB962C8B-B14F-4D97-AF65-F5344CB8AC3E}">
-        <p14:creationId xmlns:p14="http://schemas.microsoft.com/office/powerpoint/2010/main" val="326994496"/>
+        <p14:creationId xmlns:p14="http://schemas.microsoft.com/office/powerpoint/2010/main" val="4206521018"/>
       </p:ext>
     </p:extLst>
   </p:cSld>
   <p:clrMapOvr>
     <a:masterClrMapping/>
   </p:clrMapOvr>
-  <p:timing>
-    <p:tnLst>
-      <p:par>
-        <p:cTn id="1" dur="indefinite" restart="never" nodeType="tmRoot">
-          <p:childTnLst>
-            <p:seq concurrent="1" nextAc="seek">
-              <p:cTn id="2" dur="indefinite" nodeType="mainSeq">
-                <p:childTnLst>
-                  <p:par>
-                    <p:cTn id="3" fill="hold">
-                      <p:stCondLst>
-                        <p:cond delay="indefinite"/>
-                        <p:cond evt="onBegin" delay="0">
-                          <p:tn val="2"/>
-                        </p:cond>
-                      </p:stCondLst>
-                      <p:childTnLst>
-                        <p:par>
-                          <p:cTn id="4" fill="hold">
-                            <p:stCondLst>
-                              <p:cond delay="0"/>
-                            </p:stCondLst>
-                            <p:childTnLst>
-                              <p:par>
-                                <p:cTn id="5" presetID="1" presetClass="entr" presetSubtype="0" fill="hold" nodeType="withEffect">
-                                  <p:stCondLst>
-                                    <p:cond delay="0"/>
-                                  </p:stCondLst>
-                                  <p:childTnLst>
-                                    <p:set>
-                                      <p:cBhvr>
-                                        <p:cTn id="6" dur="1" fill="hold">
-                                          <p:stCondLst>
-                                            <p:cond delay="0"/>
-                                          </p:stCondLst>
-                                        </p:cTn>
-                                        <p:tgtEl>
-                                          <p:spTgt spid="3"/>
-                                        </p:tgtEl>
-                                        <p:attrNameLst>
-                                          <p:attrName>style.visibility</p:attrName>
-                                        </p:attrNameLst>
-                                      </p:cBhvr>
-                                      <p:to>
-                                        <p:strVal val="visible"/>
-                                      </p:to>
-                                    </p:set>
-                                  </p:childTnLst>
-                                </p:cTn>
-                              </p:par>
-                            </p:childTnLst>
-                          </p:cTn>
-                        </p:par>
-                      </p:childTnLst>
-                    </p:cTn>
-                  </p:par>
-                </p:childTnLst>
-              </p:cTn>
-              <p:prevCondLst>
-                <p:cond evt="onPrev" delay="0">
-                  <p:tgtEl>
-                    <p:sldTgt/>
-                  </p:tgtEl>
-                </p:cond>
-              </p:prevCondLst>
-              <p:nextCondLst>
-                <p:cond evt="onNext" delay="0">
-                  <p:tgtEl>
-                    <p:sldTgt/>
-                  </p:tgtEl>
-                </p:cond>
-              </p:nextCondLst>
-            </p:seq>
-          </p:childTnLst>
-        </p:cTn>
-      </p:par>
-    </p:tnLst>
-  </p:timing>
 </p:sld>
 </file>
 
@@ -3612,266 +3566,6 @@
 </file>
 
 <file path=ppt/slides/slide2.xml><?xml version="1.0" encoding="utf-8"?>
-<p:sld xmlns:a="http://schemas.openxmlformats.org/drawingml/2006/main" xmlns:r="http://schemas.openxmlformats.org/officeDocument/2006/relationships" xmlns:p="http://schemas.openxmlformats.org/presentationml/2006/main">
-  <p:cSld>
-    <p:spTree>
-      <p:nvGrpSpPr>
-        <p:cNvPr id="1" name=""/>
-        <p:cNvGrpSpPr/>
-        <p:nvPr/>
-      </p:nvGrpSpPr>
-      <p:grpSpPr>
-        <a:xfrm>
-          <a:off x="0" y="0"/>
-          <a:ext cx="0" cy="0"/>
-          <a:chOff x="0" y="0"/>
-          <a:chExt cx="0" cy="0"/>
-        </a:xfrm>
-      </p:grpSpPr>
-      <p:sp>
-        <p:nvSpPr>
-          <p:cNvPr id="2" name="CuadroTexto 1">
-            <a:extLst>
-              <a:ext uri="{FF2B5EF4-FFF2-40B4-BE49-F238E27FC236}">
-                <a16:creationId xmlns:a16="http://schemas.microsoft.com/office/drawing/2014/main" id="{D80F471C-D75B-BEC5-0050-0591D8413E2A}"/>
-              </a:ext>
-            </a:extLst>
-          </p:cNvPr>
-          <p:cNvSpPr txBox="1"/>
-          <p:nvPr/>
-        </p:nvSpPr>
-        <p:spPr>
-          <a:xfrm>
-            <a:off x="566871" y="1394496"/>
-            <a:ext cx="11058257" cy="630942"/>
-          </a:xfrm>
-          <a:prstGeom prst="rect">
-            <a:avLst/>
-          </a:prstGeom>
-          <a:noFill/>
-        </p:spPr>
-        <p:txBody>
-          <a:bodyPr wrap="square" rtlCol="0">
-            <a:spAutoFit/>
-          </a:bodyPr>
-          <a:lstStyle/>
-          <a:p>
-            <a:pPr algn="ctr"/>
-            <a:r>
-              <a:rPr lang="en-US" sz="3500" dirty="0" err="1">
-                <a:solidFill>
-                  <a:srgbClr val="FF0000"/>
-                </a:solidFill>
-              </a:rPr>
-              <a:t>Acceso</a:t>
-            </a:r>
-            <a:r>
-              <a:rPr lang="en-US" sz="3500" dirty="0">
-                <a:solidFill>
-                  <a:srgbClr val="FF0000"/>
-                </a:solidFill>
-              </a:rPr>
-              <a:t> a material</a:t>
-            </a:r>
-          </a:p>
-        </p:txBody>
-      </p:sp>
-      <p:sp>
-        <p:nvSpPr>
-          <p:cNvPr id="5" name="CuadroTexto 4">
-            <a:extLst>
-              <a:ext uri="{FF2B5EF4-FFF2-40B4-BE49-F238E27FC236}">
-                <a16:creationId xmlns:a16="http://schemas.microsoft.com/office/drawing/2014/main" id="{80BD6F21-11F7-FD3F-3CB9-9CE5F564D757}"/>
-              </a:ext>
-            </a:extLst>
-          </p:cNvPr>
-          <p:cNvSpPr txBox="1"/>
-          <p:nvPr/>
-        </p:nvSpPr>
-        <p:spPr>
-          <a:xfrm>
-            <a:off x="-2436481" y="5832455"/>
-            <a:ext cx="11058257" cy="400110"/>
-          </a:xfrm>
-          <a:prstGeom prst="rect">
-            <a:avLst/>
-          </a:prstGeom>
-          <a:noFill/>
-        </p:spPr>
-        <p:txBody>
-          <a:bodyPr wrap="square" rtlCol="0">
-            <a:spAutoFit/>
-          </a:bodyPr>
-          <a:lstStyle/>
-          <a:p>
-            <a:pPr algn="ctr"/>
-            <a:r>
-              <a:rPr lang="en-US" sz="2000" dirty="0">
-                <a:solidFill>
-                  <a:srgbClr val="FF0000"/>
-                </a:solidFill>
-              </a:rPr>
-              <a:t>Paper – </a:t>
-            </a:r>
-            <a:r>
-              <a:rPr lang="en-US" sz="2000" dirty="0" err="1">
-                <a:solidFill>
-                  <a:srgbClr val="FF0000"/>
-                </a:solidFill>
-              </a:rPr>
-              <a:t>Documento</a:t>
-            </a:r>
-            <a:r>
-              <a:rPr lang="en-US" sz="2000" dirty="0">
-                <a:solidFill>
-                  <a:srgbClr val="FF0000"/>
-                </a:solidFill>
-              </a:rPr>
-              <a:t> de </a:t>
-            </a:r>
-            <a:r>
-              <a:rPr lang="en-US" sz="2000" dirty="0" err="1">
-                <a:solidFill>
-                  <a:srgbClr val="FF0000"/>
-                </a:solidFill>
-              </a:rPr>
-              <a:t>resumen</a:t>
-            </a:r>
-            <a:endParaRPr lang="en-US" sz="3500" dirty="0">
-              <a:solidFill>
-                <a:srgbClr val="FF0000"/>
-              </a:solidFill>
-            </a:endParaRPr>
-          </a:p>
-        </p:txBody>
-      </p:sp>
-      <p:pic>
-        <p:nvPicPr>
-          <p:cNvPr id="7" name="Imagen 6">
-            <a:extLst>
-              <a:ext uri="{FF2B5EF4-FFF2-40B4-BE49-F238E27FC236}">
-                <a16:creationId xmlns:a16="http://schemas.microsoft.com/office/drawing/2014/main" id="{81BA33D9-6D83-05B6-AB09-DE81613AD56D}"/>
-              </a:ext>
-            </a:extLst>
-          </p:cNvPr>
-          <p:cNvPicPr>
-            <a:picLocks noChangeAspect="1"/>
-          </p:cNvPicPr>
-          <p:nvPr/>
-        </p:nvPicPr>
-        <p:blipFill>
-          <a:blip r:embed="rId2"/>
-          <a:stretch>
-            <a:fillRect/>
-          </a:stretch>
-        </p:blipFill>
-        <p:spPr>
-          <a:xfrm>
-            <a:off x="7569748" y="2403455"/>
-            <a:ext cx="3429000" cy="3429000"/>
-          </a:xfrm>
-          <a:prstGeom prst="rect">
-            <a:avLst/>
-          </a:prstGeom>
-        </p:spPr>
-      </p:pic>
-      <p:sp>
-        <p:nvSpPr>
-          <p:cNvPr id="8" name="CuadroTexto 7">
-            <a:extLst>
-              <a:ext uri="{FF2B5EF4-FFF2-40B4-BE49-F238E27FC236}">
-                <a16:creationId xmlns:a16="http://schemas.microsoft.com/office/drawing/2014/main" id="{24B4D357-3003-E8AA-A042-A95E174A02B8}"/>
-              </a:ext>
-            </a:extLst>
-          </p:cNvPr>
-          <p:cNvSpPr txBox="1"/>
-          <p:nvPr/>
-        </p:nvSpPr>
-        <p:spPr>
-          <a:xfrm>
-            <a:off x="3671144" y="5810362"/>
-            <a:ext cx="11058257" cy="400110"/>
-          </a:xfrm>
-          <a:prstGeom prst="rect">
-            <a:avLst/>
-          </a:prstGeom>
-          <a:noFill/>
-        </p:spPr>
-        <p:txBody>
-          <a:bodyPr wrap="square" rtlCol="0">
-            <a:spAutoFit/>
-          </a:bodyPr>
-          <a:lstStyle/>
-          <a:p>
-            <a:pPr algn="ctr"/>
-            <a:r>
-              <a:rPr lang="en-US" sz="2000" dirty="0" err="1">
-                <a:solidFill>
-                  <a:srgbClr val="FF0000"/>
-                </a:solidFill>
-              </a:rPr>
-              <a:t>Repositorio</a:t>
-            </a:r>
-            <a:r>
-              <a:rPr lang="en-US" sz="2000" dirty="0">
-                <a:solidFill>
-                  <a:srgbClr val="FF0000"/>
-                </a:solidFill>
-              </a:rPr>
-              <a:t> de Código Fuente</a:t>
-            </a:r>
-            <a:endParaRPr lang="en-US" sz="3500" dirty="0">
-              <a:solidFill>
-                <a:srgbClr val="FF0000"/>
-              </a:solidFill>
-            </a:endParaRPr>
-          </a:p>
-        </p:txBody>
-      </p:sp>
-      <p:pic>
-        <p:nvPicPr>
-          <p:cNvPr id="12" name="Imagen 11">
-            <a:extLst>
-              <a:ext uri="{FF2B5EF4-FFF2-40B4-BE49-F238E27FC236}">
-                <a16:creationId xmlns:a16="http://schemas.microsoft.com/office/drawing/2014/main" id="{B283F255-30BC-E5DA-11D5-49597ADFA1CF}"/>
-              </a:ext>
-            </a:extLst>
-          </p:cNvPr>
-          <p:cNvPicPr>
-            <a:picLocks noChangeAspect="1"/>
-          </p:cNvPicPr>
-          <p:nvPr/>
-        </p:nvPicPr>
-        <p:blipFill>
-          <a:blip r:embed="rId3"/>
-          <a:stretch>
-            <a:fillRect/>
-          </a:stretch>
-        </p:blipFill>
-        <p:spPr>
-          <a:xfrm>
-            <a:off x="1378147" y="2423253"/>
-            <a:ext cx="3429000" cy="3429000"/>
-          </a:xfrm>
-          <a:prstGeom prst="rect">
-            <a:avLst/>
-          </a:prstGeom>
-        </p:spPr>
-      </p:pic>
-    </p:spTree>
-    <p:extLst>
-      <p:ext uri="{BB962C8B-B14F-4D97-AF65-F5344CB8AC3E}">
-        <p14:creationId xmlns:p14="http://schemas.microsoft.com/office/powerpoint/2010/main" val="4206521018"/>
-      </p:ext>
-    </p:extLst>
-  </p:cSld>
-  <p:clrMapOvr>
-    <a:masterClrMapping/>
-  </p:clrMapOvr>
-</p:sld>
-</file>
-
-<file path=ppt/slides/slide3.xml><?xml version="1.0" encoding="utf-8"?>
 <p:sld xmlns:a="http://schemas.openxmlformats.org/drawingml/2006/main" xmlns:r="http://schemas.openxmlformats.org/officeDocument/2006/relationships" xmlns:p="http://schemas.openxmlformats.org/presentationml/2006/main">
   <p:cSld>
     <p:spTree>
@@ -5143,7 +4837,7 @@
 </p:sld>
 </file>
 
-<file path=ppt/slides/slide4.xml><?xml version="1.0" encoding="utf-8"?>
+<file path=ppt/slides/slide3.xml><?xml version="1.0" encoding="utf-8"?>
 <p:sld xmlns:a="http://schemas.openxmlformats.org/drawingml/2006/main" xmlns:r="http://schemas.openxmlformats.org/officeDocument/2006/relationships" xmlns:p="http://schemas.openxmlformats.org/presentationml/2006/main">
   <p:cSld>
     <p:spTree>
@@ -5741,7 +5435,7 @@
 </p:sld>
 </file>
 
-<file path=ppt/slides/slide5.xml><?xml version="1.0" encoding="utf-8"?>
+<file path=ppt/slides/slide4.xml><?xml version="1.0" encoding="utf-8"?>
 <p:sld xmlns:a="http://schemas.openxmlformats.org/drawingml/2006/main" xmlns:r="http://schemas.openxmlformats.org/officeDocument/2006/relationships" xmlns:p="http://schemas.openxmlformats.org/presentationml/2006/main">
   <p:cSld>
     <p:spTree>
@@ -6235,7 +5929,7 @@
 </p:sld>
 </file>
 
-<file path=ppt/slides/slide6.xml><?xml version="1.0" encoding="utf-8"?>
+<file path=ppt/slides/slide5.xml><?xml version="1.0" encoding="utf-8"?>
 <p:sld xmlns:a="http://schemas.openxmlformats.org/drawingml/2006/main" xmlns:r="http://schemas.openxmlformats.org/officeDocument/2006/relationships" xmlns:p="http://schemas.openxmlformats.org/presentationml/2006/main">
   <p:cSld>
     <p:spTree>
@@ -7321,7 +7015,7 @@
 </p:sld>
 </file>
 
-<file path=ppt/slides/slide7.xml><?xml version="1.0" encoding="utf-8"?>
+<file path=ppt/slides/slide6.xml><?xml version="1.0" encoding="utf-8"?>
 <p:sld xmlns:a="http://schemas.openxmlformats.org/drawingml/2006/main" xmlns:r="http://schemas.openxmlformats.org/officeDocument/2006/relationships" xmlns:p="http://schemas.openxmlformats.org/presentationml/2006/main">
   <p:cSld>
     <p:spTree>
@@ -8133,6 +7827,460 @@
 </p:sld>
 </file>
 
+<file path=ppt/slides/slide7.xml><?xml version="1.0" encoding="utf-8"?>
+<p:sld xmlns:a="http://schemas.openxmlformats.org/drawingml/2006/main" xmlns:r="http://schemas.openxmlformats.org/officeDocument/2006/relationships" xmlns:p="http://schemas.openxmlformats.org/presentationml/2006/main">
+  <p:cSld>
+    <p:spTree>
+      <p:nvGrpSpPr>
+        <p:cNvPr id="1" name=""/>
+        <p:cNvGrpSpPr/>
+        <p:nvPr/>
+      </p:nvGrpSpPr>
+      <p:grpSpPr>
+        <a:xfrm>
+          <a:off x="0" y="0"/>
+          <a:ext cx="0" cy="0"/>
+          <a:chOff x="0" y="0"/>
+          <a:chExt cx="0" cy="0"/>
+        </a:xfrm>
+      </p:grpSpPr>
+      <p:pic>
+        <p:nvPicPr>
+          <p:cNvPr id="6146" name="Picture 2">
+            <a:extLst>
+              <a:ext uri="{FF2B5EF4-FFF2-40B4-BE49-F238E27FC236}">
+                <a16:creationId xmlns:a16="http://schemas.microsoft.com/office/drawing/2014/main" id="{F7CE3CF4-E018-8728-B6D9-6AD35AA7E5E5}"/>
+              </a:ext>
+            </a:extLst>
+          </p:cNvPr>
+          <p:cNvPicPr>
+            <a:picLocks noChangeAspect="1" noChangeArrowheads="1"/>
+          </p:cNvPicPr>
+          <p:nvPr/>
+        </p:nvPicPr>
+        <p:blipFill>
+          <a:blip r:embed="rId2">
+            <a:extLst>
+              <a:ext uri="{28A0092B-C50C-407E-A947-70E740481C1C}">
+                <a14:useLocalDpi xmlns:a14="http://schemas.microsoft.com/office/drawing/2010/main" val="0"/>
+              </a:ext>
+            </a:extLst>
+          </a:blip>
+          <a:srcRect/>
+          <a:stretch>
+            <a:fillRect/>
+          </a:stretch>
+        </p:blipFill>
+        <p:spPr bwMode="auto">
+          <a:xfrm>
+            <a:off x="713128" y="2091028"/>
+            <a:ext cx="3638550" cy="4362450"/>
+          </a:xfrm>
+          <a:prstGeom prst="rect">
+            <a:avLst/>
+          </a:prstGeom>
+          <a:noFill/>
+          <a:extLst>
+            <a:ext uri="{909E8E84-426E-40DD-AFC4-6F175D3DCCD1}">
+              <a14:hiddenFill xmlns:a14="http://schemas.microsoft.com/office/drawing/2010/main">
+                <a:solidFill>
+                  <a:srgbClr val="FFFFFF"/>
+                </a:solidFill>
+              </a14:hiddenFill>
+            </a:ext>
+          </a:extLst>
+        </p:spPr>
+      </p:pic>
+      <p:sp>
+        <p:nvSpPr>
+          <p:cNvPr id="4" name="CuadroTexto 3">
+            <a:extLst>
+              <a:ext uri="{FF2B5EF4-FFF2-40B4-BE49-F238E27FC236}">
+                <a16:creationId xmlns:a16="http://schemas.microsoft.com/office/drawing/2014/main" id="{2E830D25-6B75-8246-74BE-FAF275BDFBC6}"/>
+              </a:ext>
+            </a:extLst>
+          </p:cNvPr>
+          <p:cNvSpPr txBox="1"/>
+          <p:nvPr/>
+        </p:nvSpPr>
+        <p:spPr>
+          <a:xfrm>
+            <a:off x="910253" y="1403287"/>
+            <a:ext cx="3937119" cy="461665"/>
+          </a:xfrm>
+          <a:prstGeom prst="rect">
+            <a:avLst/>
+          </a:prstGeom>
+          <a:noFill/>
+        </p:spPr>
+        <p:txBody>
+          <a:bodyPr wrap="square" rtlCol="0">
+            <a:spAutoFit/>
+          </a:bodyPr>
+          <a:lstStyle/>
+          <a:p>
+            <a:r>
+              <a:rPr lang="en-US" sz="2400" dirty="0" err="1">
+                <a:solidFill>
+                  <a:srgbClr val="FF0000"/>
+                </a:solidFill>
+              </a:rPr>
+              <a:t>Automatización</a:t>
+            </a:r>
+            <a:r>
+              <a:rPr lang="en-US" sz="2400" dirty="0">
+                <a:solidFill>
+                  <a:srgbClr val="FF0000"/>
+                </a:solidFill>
+              </a:rPr>
+              <a:t> de </a:t>
+            </a:r>
+            <a:r>
+              <a:rPr lang="en-US" sz="2400" dirty="0" err="1">
+                <a:solidFill>
+                  <a:srgbClr val="FF0000"/>
+                </a:solidFill>
+              </a:rPr>
+              <a:t>pruebas</a:t>
+            </a:r>
+            <a:endParaRPr lang="en-US" sz="2400" dirty="0">
+              <a:solidFill>
+                <a:srgbClr val="FF0000"/>
+              </a:solidFill>
+            </a:endParaRPr>
+          </a:p>
+        </p:txBody>
+      </p:sp>
+      <p:pic>
+        <p:nvPicPr>
+          <p:cNvPr id="7" name="Imagen 6">
+            <a:extLst>
+              <a:ext uri="{FF2B5EF4-FFF2-40B4-BE49-F238E27FC236}">
+                <a16:creationId xmlns:a16="http://schemas.microsoft.com/office/drawing/2014/main" id="{1F0083D0-B698-7A55-A3C5-212D52D4AF42}"/>
+              </a:ext>
+            </a:extLst>
+          </p:cNvPr>
+          <p:cNvPicPr>
+            <a:picLocks noChangeAspect="1"/>
+          </p:cNvPicPr>
+          <p:nvPr/>
+        </p:nvPicPr>
+        <p:blipFill>
+          <a:blip r:embed="rId3"/>
+          <a:stretch>
+            <a:fillRect/>
+          </a:stretch>
+        </p:blipFill>
+        <p:spPr>
+          <a:xfrm>
+            <a:off x="3247637" y="4993049"/>
+            <a:ext cx="3005532" cy="1330395"/>
+          </a:xfrm>
+          <a:prstGeom prst="rect">
+            <a:avLst/>
+          </a:prstGeom>
+        </p:spPr>
+      </p:pic>
+      <p:pic>
+        <p:nvPicPr>
+          <p:cNvPr id="6148" name="Picture 4" descr="Automated testing, automation, optimize, quality control, test passed, testing  icon - Download on Iconfinder">
+            <a:extLst>
+              <a:ext uri="{FF2B5EF4-FFF2-40B4-BE49-F238E27FC236}">
+                <a16:creationId xmlns:a16="http://schemas.microsoft.com/office/drawing/2014/main" id="{C1D0DF24-2110-DE9A-D3DD-FA558F91D80B}"/>
+              </a:ext>
+            </a:extLst>
+          </p:cNvPr>
+          <p:cNvPicPr>
+            <a:picLocks noChangeAspect="1" noChangeArrowheads="1"/>
+          </p:cNvPicPr>
+          <p:nvPr/>
+        </p:nvPicPr>
+        <p:blipFill>
+          <a:blip r:embed="rId4" cstate="print">
+            <a:extLst>
+              <a:ext uri="{28A0092B-C50C-407E-A947-70E740481C1C}">
+                <a14:useLocalDpi xmlns:a14="http://schemas.microsoft.com/office/drawing/2010/main" val="0"/>
+              </a:ext>
+            </a:extLst>
+          </a:blip>
+          <a:srcRect/>
+          <a:stretch>
+            <a:fillRect/>
+          </a:stretch>
+        </p:blipFill>
+        <p:spPr bwMode="auto">
+          <a:xfrm>
+            <a:off x="249871" y="1329611"/>
+            <a:ext cx="609019" cy="609019"/>
+          </a:xfrm>
+          <a:prstGeom prst="rect">
+            <a:avLst/>
+          </a:prstGeom>
+          <a:noFill/>
+          <a:extLst>
+            <a:ext uri="{909E8E84-426E-40DD-AFC4-6F175D3DCCD1}">
+              <a14:hiddenFill xmlns:a14="http://schemas.microsoft.com/office/drawing/2010/main">
+                <a:solidFill>
+                  <a:srgbClr val="FFFFFF"/>
+                </a:solidFill>
+              </a14:hiddenFill>
+            </a:ext>
+          </a:extLst>
+        </p:spPr>
+      </p:pic>
+      <p:sp>
+        <p:nvSpPr>
+          <p:cNvPr id="15" name="CuadroTexto 14">
+            <a:extLst>
+              <a:ext uri="{FF2B5EF4-FFF2-40B4-BE49-F238E27FC236}">
+                <a16:creationId xmlns:a16="http://schemas.microsoft.com/office/drawing/2014/main" id="{483E16D6-20B1-8D42-44A0-F2047EC50F11}"/>
+              </a:ext>
+            </a:extLst>
+          </p:cNvPr>
+          <p:cNvSpPr txBox="1"/>
+          <p:nvPr/>
+        </p:nvSpPr>
+        <p:spPr>
+          <a:xfrm>
+            <a:off x="6917998" y="1482009"/>
+            <a:ext cx="3937119" cy="461665"/>
+          </a:xfrm>
+          <a:prstGeom prst="rect">
+            <a:avLst/>
+          </a:prstGeom>
+          <a:noFill/>
+        </p:spPr>
+        <p:txBody>
+          <a:bodyPr wrap="square" rtlCol="0">
+            <a:spAutoFit/>
+          </a:bodyPr>
+          <a:lstStyle/>
+          <a:p>
+            <a:r>
+              <a:rPr lang="en-US" sz="2400" dirty="0" err="1">
+                <a:solidFill>
+                  <a:srgbClr val="FF0000"/>
+                </a:solidFill>
+              </a:rPr>
+              <a:t>Análisis</a:t>
+            </a:r>
+            <a:r>
+              <a:rPr lang="en-US" sz="2400" dirty="0">
+                <a:solidFill>
+                  <a:srgbClr val="FF0000"/>
+                </a:solidFill>
+              </a:rPr>
+              <a:t> </a:t>
+            </a:r>
+            <a:r>
+              <a:rPr lang="en-US" sz="2400" dirty="0" err="1">
+                <a:solidFill>
+                  <a:srgbClr val="FF0000"/>
+                </a:solidFill>
+              </a:rPr>
+              <a:t>estático</a:t>
+            </a:r>
+            <a:r>
+              <a:rPr lang="en-US" sz="2400" dirty="0">
+                <a:solidFill>
+                  <a:srgbClr val="FF0000"/>
+                </a:solidFill>
+              </a:rPr>
+              <a:t> de </a:t>
+            </a:r>
+            <a:r>
+              <a:rPr lang="en-US" sz="2400" dirty="0" err="1">
+                <a:solidFill>
+                  <a:srgbClr val="FF0000"/>
+                </a:solidFill>
+              </a:rPr>
+              <a:t>código</a:t>
+            </a:r>
+            <a:endParaRPr lang="en-US" sz="2400" dirty="0">
+              <a:solidFill>
+                <a:srgbClr val="FF0000"/>
+              </a:solidFill>
+            </a:endParaRPr>
+          </a:p>
+        </p:txBody>
+      </p:sp>
+      <p:pic>
+        <p:nvPicPr>
+          <p:cNvPr id="16" name="Picture 4" descr="Automated testing, automation, optimize, quality control, test passed, testing  icon - Download on Iconfinder">
+            <a:extLst>
+              <a:ext uri="{FF2B5EF4-FFF2-40B4-BE49-F238E27FC236}">
+                <a16:creationId xmlns:a16="http://schemas.microsoft.com/office/drawing/2014/main" id="{0BD7A29D-8583-2D5E-0D2F-9EF17E433ABE}"/>
+              </a:ext>
+            </a:extLst>
+          </p:cNvPr>
+          <p:cNvPicPr>
+            <a:picLocks noChangeAspect="1" noChangeArrowheads="1"/>
+          </p:cNvPicPr>
+          <p:nvPr/>
+        </p:nvPicPr>
+        <p:blipFill>
+          <a:blip r:embed="rId4" cstate="print">
+            <a:extLst>
+              <a:ext uri="{28A0092B-C50C-407E-A947-70E740481C1C}">
+                <a14:useLocalDpi xmlns:a14="http://schemas.microsoft.com/office/drawing/2010/main" val="0"/>
+              </a:ext>
+            </a:extLst>
+          </a:blip>
+          <a:srcRect/>
+          <a:stretch>
+            <a:fillRect/>
+          </a:stretch>
+        </p:blipFill>
+        <p:spPr bwMode="auto">
+          <a:xfrm>
+            <a:off x="6097564" y="1482009"/>
+            <a:ext cx="609019" cy="609019"/>
+          </a:xfrm>
+          <a:prstGeom prst="rect">
+            <a:avLst/>
+          </a:prstGeom>
+          <a:noFill/>
+          <a:extLst>
+            <a:ext uri="{909E8E84-426E-40DD-AFC4-6F175D3DCCD1}">
+              <a14:hiddenFill xmlns:a14="http://schemas.microsoft.com/office/drawing/2010/main">
+                <a:solidFill>
+                  <a:srgbClr val="FFFFFF"/>
+                </a:solidFill>
+              </a14:hiddenFill>
+            </a:ext>
+          </a:extLst>
+        </p:spPr>
+      </p:pic>
+      <p:pic>
+        <p:nvPicPr>
+          <p:cNvPr id="6150" name="Picture 6" descr="Automatic Code Review, Testing, Inspection &amp; Auditing | SonarCloud">
+            <a:hlinkClick r:id="rId5"/>
+            <a:extLst>
+              <a:ext uri="{FF2B5EF4-FFF2-40B4-BE49-F238E27FC236}">
+                <a16:creationId xmlns:a16="http://schemas.microsoft.com/office/drawing/2014/main" id="{4C7993E9-E741-C8E1-96B9-C31B843C1EF9}"/>
+              </a:ext>
+            </a:extLst>
+          </p:cNvPr>
+          <p:cNvPicPr>
+            <a:picLocks noChangeAspect="1" noChangeArrowheads="1"/>
+          </p:cNvPicPr>
+          <p:nvPr/>
+        </p:nvPicPr>
+        <p:blipFill>
+          <a:blip r:embed="rId6">
+            <a:extLst>
+              <a:ext uri="{28A0092B-C50C-407E-A947-70E740481C1C}">
+                <a14:useLocalDpi xmlns:a14="http://schemas.microsoft.com/office/drawing/2010/main" val="0"/>
+              </a:ext>
+            </a:extLst>
+          </a:blip>
+          <a:srcRect/>
+          <a:stretch>
+            <a:fillRect/>
+          </a:stretch>
+        </p:blipFill>
+        <p:spPr bwMode="auto">
+          <a:xfrm>
+            <a:off x="6564443" y="2484135"/>
+            <a:ext cx="4000500" cy="1143000"/>
+          </a:xfrm>
+          <a:prstGeom prst="rect">
+            <a:avLst/>
+          </a:prstGeom>
+          <a:noFill/>
+          <a:extLst>
+            <a:ext uri="{909E8E84-426E-40DD-AFC4-6F175D3DCCD1}">
+              <a14:hiddenFill xmlns:a14="http://schemas.microsoft.com/office/drawing/2010/main">
+                <a:solidFill>
+                  <a:srgbClr val="FFFFFF"/>
+                </a:solidFill>
+              </a14:hiddenFill>
+            </a:ext>
+          </a:extLst>
+        </p:spPr>
+      </p:pic>
+      <p:sp>
+        <p:nvSpPr>
+          <p:cNvPr id="18" name="CuadroTexto 17">
+            <a:extLst>
+              <a:ext uri="{FF2B5EF4-FFF2-40B4-BE49-F238E27FC236}">
+                <a16:creationId xmlns:a16="http://schemas.microsoft.com/office/drawing/2014/main" id="{E440B29D-E139-FF77-8C0A-FD311556A824}"/>
+              </a:ext>
+            </a:extLst>
+          </p:cNvPr>
+          <p:cNvSpPr txBox="1"/>
+          <p:nvPr/>
+        </p:nvSpPr>
+        <p:spPr>
+          <a:xfrm>
+            <a:off x="2071909" y="6621137"/>
+            <a:ext cx="11799277" cy="307777"/>
+          </a:xfrm>
+          <a:prstGeom prst="rect">
+            <a:avLst/>
+          </a:prstGeom>
+          <a:noFill/>
+        </p:spPr>
+        <p:txBody>
+          <a:bodyPr wrap="square" rtlCol="0">
+            <a:spAutoFit/>
+          </a:bodyPr>
+          <a:lstStyle/>
+          <a:p>
+            <a:r>
+              <a:rPr lang="en-US" sz="1400" b="0" i="0" dirty="0">
+                <a:effectLst/>
+                <a:latin typeface="Arial" panose="020B0604020202020204" pitchFamily="34" charset="0"/>
+              </a:rPr>
+              <a:t>S. C. M. Reyes, “Player,” https://github.com/sc-martinez/Player/blob/master/TechnicalDebt%20-Tests.md, 2022.</a:t>
+            </a:r>
+            <a:endParaRPr lang="en-US" sz="1400" dirty="0"/>
+          </a:p>
+        </p:txBody>
+      </p:sp>
+      <p:pic>
+        <p:nvPicPr>
+          <p:cNvPr id="19" name="Imagen 18">
+            <a:extLst>
+              <a:ext uri="{FF2B5EF4-FFF2-40B4-BE49-F238E27FC236}">
+                <a16:creationId xmlns:a16="http://schemas.microsoft.com/office/drawing/2014/main" id="{C056354E-21E3-82A2-21A9-158ED71ED8D0}"/>
+              </a:ext>
+            </a:extLst>
+          </p:cNvPr>
+          <p:cNvPicPr>
+            <a:picLocks noChangeAspect="1"/>
+          </p:cNvPicPr>
+          <p:nvPr/>
+        </p:nvPicPr>
+        <p:blipFill>
+          <a:blip r:embed="rId7"/>
+          <a:stretch>
+            <a:fillRect/>
+          </a:stretch>
+        </p:blipFill>
+        <p:spPr>
+          <a:xfrm>
+            <a:off x="9343199" y="3784888"/>
+            <a:ext cx="1511918" cy="1129439"/>
+          </a:xfrm>
+          <a:prstGeom prst="rect">
+            <a:avLst/>
+          </a:prstGeom>
+        </p:spPr>
+      </p:pic>
+    </p:spTree>
+    <p:extLst>
+      <p:ext uri="{BB962C8B-B14F-4D97-AF65-F5344CB8AC3E}">
+        <p14:creationId xmlns:p14="http://schemas.microsoft.com/office/powerpoint/2010/main" val="101493907"/>
+      </p:ext>
+    </p:extLst>
+  </p:cSld>
+  <p:clrMapOvr>
+    <a:masterClrMapping/>
+  </p:clrMapOvr>
+</p:sld>
+</file>
+
 <file path=ppt/slides/slide8.xml><?xml version="1.0" encoding="utf-8"?>
 <p:sld xmlns:a="http://schemas.openxmlformats.org/drawingml/2006/main" xmlns:r="http://schemas.openxmlformats.org/officeDocument/2006/relationships" xmlns:p="http://schemas.openxmlformats.org/presentationml/2006/main">
   <p:cSld>
@@ -8152,10 +8300,10 @@
       </p:grpSpPr>
       <p:pic>
         <p:nvPicPr>
-          <p:cNvPr id="6146" name="Picture 2">
+          <p:cNvPr id="7174" name="Picture 6" descr="Compatibilidad de Jira Align con Disciplined Agile (DA)">
             <a:extLst>
               <a:ext uri="{FF2B5EF4-FFF2-40B4-BE49-F238E27FC236}">
-                <a16:creationId xmlns:a16="http://schemas.microsoft.com/office/drawing/2014/main" id="{F7CE3CF4-E018-8728-B6D9-6AD35AA7E5E5}"/>
+                <a16:creationId xmlns:a16="http://schemas.microsoft.com/office/drawing/2014/main" id="{066A8198-C407-D305-7EBA-76449A23AEF4}"/>
               </a:ext>
             </a:extLst>
           </p:cNvPr>
@@ -8165,7 +8313,7 @@
           <p:nvPr/>
         </p:nvPicPr>
         <p:blipFill>
-          <a:blip r:embed="rId2">
+          <a:blip r:embed="rId2" cstate="print">
             <a:extLst>
               <a:ext uri="{28A0092B-C50C-407E-A947-70E740481C1C}">
                 <a14:useLocalDpi xmlns:a14="http://schemas.microsoft.com/office/drawing/2010/main" val="0"/>
@@ -8179,8 +8327,8 @@
         </p:blipFill>
         <p:spPr bwMode="auto">
           <a:xfrm>
-            <a:off x="713128" y="2091028"/>
-            <a:ext cx="3638550" cy="4362450"/>
+            <a:off x="638787" y="1545343"/>
+            <a:ext cx="821059" cy="394792"/>
           </a:xfrm>
           <a:prstGeom prst="rect">
             <a:avLst/>
@@ -8199,10 +8347,10 @@
       </p:pic>
       <p:sp>
         <p:nvSpPr>
-          <p:cNvPr id="4" name="CuadroTexto 3">
+          <p:cNvPr id="5" name="CuadroTexto 4">
             <a:extLst>
               <a:ext uri="{FF2B5EF4-FFF2-40B4-BE49-F238E27FC236}">
-                <a16:creationId xmlns:a16="http://schemas.microsoft.com/office/drawing/2014/main" id="{2E830D25-6B75-8246-74BE-FAF275BDFBC6}"/>
+                <a16:creationId xmlns:a16="http://schemas.microsoft.com/office/drawing/2014/main" id="{143AAF5B-37F1-0C59-EA3E-95BAC4E4B7A4}"/>
               </a:ext>
             </a:extLst>
           </p:cNvPr>
@@ -8211,8 +8359,8 @@
         </p:nvSpPr>
         <p:spPr>
           <a:xfrm>
-            <a:off x="910253" y="1403287"/>
-            <a:ext cx="3937119" cy="461665"/>
+            <a:off x="1459846" y="1511906"/>
+            <a:ext cx="6176900" cy="461665"/>
           </a:xfrm>
           <a:prstGeom prst="rect">
             <a:avLst/>
@@ -8231,7 +8379,7 @@
                   <a:srgbClr val="FF0000"/>
                 </a:solidFill>
               </a:rPr>
-              <a:t>Automatización</a:t>
+              <a:t>Integración</a:t>
             </a:r>
             <a:r>
               <a:rPr lang="en-US" sz="2400" dirty="0">
@@ -8239,7 +8387,7 @@
                   <a:srgbClr val="FF0000"/>
                 </a:solidFill>
               </a:rPr>
-              <a:t> de </a:t>
+              <a:t> Continua – </a:t>
             </a:r>
             <a:r>
               <a:rPr lang="en-US" sz="2400" dirty="0" err="1">
@@ -8247,22 +8395,64 @@
                   <a:srgbClr val="FF0000"/>
                 </a:solidFill>
               </a:rPr>
-              <a:t>pruebas</a:t>
-            </a:r>
-            <a:endParaRPr lang="en-US" sz="2400" dirty="0">
-              <a:solidFill>
-                <a:srgbClr val="FF0000"/>
-              </a:solidFill>
-            </a:endParaRPr>
+              <a:t>Entrega</a:t>
+            </a:r>
+            <a:r>
+              <a:rPr lang="en-US" sz="2400" dirty="0">
+                <a:solidFill>
+                  <a:srgbClr val="FF0000"/>
+                </a:solidFill>
+              </a:rPr>
+              <a:t> continua (CI/CD)</a:t>
+            </a:r>
+          </a:p>
+        </p:txBody>
+      </p:sp>
+      <p:sp>
+        <p:nvSpPr>
+          <p:cNvPr id="6" name="CuadroTexto 5">
+            <a:extLst>
+              <a:ext uri="{FF2B5EF4-FFF2-40B4-BE49-F238E27FC236}">
+                <a16:creationId xmlns:a16="http://schemas.microsoft.com/office/drawing/2014/main" id="{0CAF7E41-DBAC-97FE-F936-91A4B1E72620}"/>
+              </a:ext>
+            </a:extLst>
+          </p:cNvPr>
+          <p:cNvSpPr txBox="1"/>
+          <p:nvPr/>
+        </p:nvSpPr>
+        <p:spPr>
+          <a:xfrm>
+            <a:off x="2490690" y="6474698"/>
+            <a:ext cx="11799277" cy="307777"/>
+          </a:xfrm>
+          <a:prstGeom prst="rect">
+            <a:avLst/>
+          </a:prstGeom>
+          <a:noFill/>
+        </p:spPr>
+        <p:txBody>
+          <a:bodyPr wrap="square" rtlCol="0">
+            <a:spAutoFit/>
+          </a:bodyPr>
+          <a:lstStyle/>
+          <a:p>
+            <a:r>
+              <a:rPr lang="en-US" sz="1400" b="0" i="0" dirty="0">
+                <a:effectLst/>
+                <a:latin typeface="Arial" panose="020B0604020202020204" pitchFamily="34" charset="0"/>
+              </a:rPr>
+              <a:t>S. C. M. Reyes, “Player,” https://github.com/sc-martinez/Player/blob/master/IntroducingCI.md, 2022.</a:t>
+            </a:r>
+            <a:endParaRPr lang="en-US" sz="1400" dirty="0"/>
           </a:p>
         </p:txBody>
       </p:sp>
       <p:pic>
         <p:nvPicPr>
-          <p:cNvPr id="7" name="Imagen 6">
+          <p:cNvPr id="3" name="Imagen 2">
             <a:extLst>
               <a:ext uri="{FF2B5EF4-FFF2-40B4-BE49-F238E27FC236}">
-                <a16:creationId xmlns:a16="http://schemas.microsoft.com/office/drawing/2014/main" id="{1F0083D0-B698-7A55-A3C5-212D52D4AF42}"/>
+                <a16:creationId xmlns:a16="http://schemas.microsoft.com/office/drawing/2014/main" id="{EF163AD3-3142-EC19-9164-378A57BF43E9}"/>
               </a:ext>
             </a:extLst>
           </p:cNvPr>
@@ -8279,8 +8469,8 @@
         </p:blipFill>
         <p:spPr>
           <a:xfrm>
-            <a:off x="3247637" y="4993049"/>
-            <a:ext cx="3005532" cy="1330395"/>
+            <a:off x="0" y="2464546"/>
+            <a:ext cx="12192000" cy="1667685"/>
           </a:xfrm>
           <a:prstGeom prst="rect">
             <a:avLst/>
@@ -8289,267 +8479,10 @@
       </p:pic>
       <p:pic>
         <p:nvPicPr>
-          <p:cNvPr id="6148" name="Picture 4" descr="Automated testing, automation, optimize, quality control, test passed, testing  icon - Download on Iconfinder">
+          <p:cNvPr id="7" name="Imagen 6">
             <a:extLst>
               <a:ext uri="{FF2B5EF4-FFF2-40B4-BE49-F238E27FC236}">
-                <a16:creationId xmlns:a16="http://schemas.microsoft.com/office/drawing/2014/main" id="{C1D0DF24-2110-DE9A-D3DD-FA558F91D80B}"/>
-              </a:ext>
-            </a:extLst>
-          </p:cNvPr>
-          <p:cNvPicPr>
-            <a:picLocks noChangeAspect="1" noChangeArrowheads="1"/>
-          </p:cNvPicPr>
-          <p:nvPr/>
-        </p:nvPicPr>
-        <p:blipFill>
-          <a:blip r:embed="rId4" cstate="print">
-            <a:extLst>
-              <a:ext uri="{28A0092B-C50C-407E-A947-70E740481C1C}">
-                <a14:useLocalDpi xmlns:a14="http://schemas.microsoft.com/office/drawing/2010/main" val="0"/>
-              </a:ext>
-            </a:extLst>
-          </a:blip>
-          <a:srcRect/>
-          <a:stretch>
-            <a:fillRect/>
-          </a:stretch>
-        </p:blipFill>
-        <p:spPr bwMode="auto">
-          <a:xfrm>
-            <a:off x="249871" y="1329611"/>
-            <a:ext cx="609019" cy="609019"/>
-          </a:xfrm>
-          <a:prstGeom prst="rect">
-            <a:avLst/>
-          </a:prstGeom>
-          <a:noFill/>
-          <a:extLst>
-            <a:ext uri="{909E8E84-426E-40DD-AFC4-6F175D3DCCD1}">
-              <a14:hiddenFill xmlns:a14="http://schemas.microsoft.com/office/drawing/2010/main">
-                <a:solidFill>
-                  <a:srgbClr val="FFFFFF"/>
-                </a:solidFill>
-              </a14:hiddenFill>
-            </a:ext>
-          </a:extLst>
-        </p:spPr>
-      </p:pic>
-      <p:sp>
-        <p:nvSpPr>
-          <p:cNvPr id="15" name="CuadroTexto 14">
-            <a:extLst>
-              <a:ext uri="{FF2B5EF4-FFF2-40B4-BE49-F238E27FC236}">
-                <a16:creationId xmlns:a16="http://schemas.microsoft.com/office/drawing/2014/main" id="{483E16D6-20B1-8D42-44A0-F2047EC50F11}"/>
-              </a:ext>
-            </a:extLst>
-          </p:cNvPr>
-          <p:cNvSpPr txBox="1"/>
-          <p:nvPr/>
-        </p:nvSpPr>
-        <p:spPr>
-          <a:xfrm>
-            <a:off x="6917998" y="1482009"/>
-            <a:ext cx="3937119" cy="461665"/>
-          </a:xfrm>
-          <a:prstGeom prst="rect">
-            <a:avLst/>
-          </a:prstGeom>
-          <a:noFill/>
-        </p:spPr>
-        <p:txBody>
-          <a:bodyPr wrap="square" rtlCol="0">
-            <a:spAutoFit/>
-          </a:bodyPr>
-          <a:lstStyle/>
-          <a:p>
-            <a:r>
-              <a:rPr lang="en-US" sz="2400" dirty="0" err="1">
-                <a:solidFill>
-                  <a:srgbClr val="FF0000"/>
-                </a:solidFill>
-              </a:rPr>
-              <a:t>Análisis</a:t>
-            </a:r>
-            <a:r>
-              <a:rPr lang="en-US" sz="2400" dirty="0">
-                <a:solidFill>
-                  <a:srgbClr val="FF0000"/>
-                </a:solidFill>
-              </a:rPr>
-              <a:t> </a:t>
-            </a:r>
-            <a:r>
-              <a:rPr lang="en-US" sz="2400" dirty="0" err="1">
-                <a:solidFill>
-                  <a:srgbClr val="FF0000"/>
-                </a:solidFill>
-              </a:rPr>
-              <a:t>estático</a:t>
-            </a:r>
-            <a:r>
-              <a:rPr lang="en-US" sz="2400" dirty="0">
-                <a:solidFill>
-                  <a:srgbClr val="FF0000"/>
-                </a:solidFill>
-              </a:rPr>
-              <a:t> de </a:t>
-            </a:r>
-            <a:r>
-              <a:rPr lang="en-US" sz="2400" dirty="0" err="1">
-                <a:solidFill>
-                  <a:srgbClr val="FF0000"/>
-                </a:solidFill>
-              </a:rPr>
-              <a:t>código</a:t>
-            </a:r>
-            <a:endParaRPr lang="en-US" sz="2400" dirty="0">
-              <a:solidFill>
-                <a:srgbClr val="FF0000"/>
-              </a:solidFill>
-            </a:endParaRPr>
-          </a:p>
-        </p:txBody>
-      </p:sp>
-      <p:pic>
-        <p:nvPicPr>
-          <p:cNvPr id="16" name="Picture 4" descr="Automated testing, automation, optimize, quality control, test passed, testing  icon - Download on Iconfinder">
-            <a:extLst>
-              <a:ext uri="{FF2B5EF4-FFF2-40B4-BE49-F238E27FC236}">
-                <a16:creationId xmlns:a16="http://schemas.microsoft.com/office/drawing/2014/main" id="{0BD7A29D-8583-2D5E-0D2F-9EF17E433ABE}"/>
-              </a:ext>
-            </a:extLst>
-          </p:cNvPr>
-          <p:cNvPicPr>
-            <a:picLocks noChangeAspect="1" noChangeArrowheads="1"/>
-          </p:cNvPicPr>
-          <p:nvPr/>
-        </p:nvPicPr>
-        <p:blipFill>
-          <a:blip r:embed="rId4" cstate="print">
-            <a:extLst>
-              <a:ext uri="{28A0092B-C50C-407E-A947-70E740481C1C}">
-                <a14:useLocalDpi xmlns:a14="http://schemas.microsoft.com/office/drawing/2010/main" val="0"/>
-              </a:ext>
-            </a:extLst>
-          </a:blip>
-          <a:srcRect/>
-          <a:stretch>
-            <a:fillRect/>
-          </a:stretch>
-        </p:blipFill>
-        <p:spPr bwMode="auto">
-          <a:xfrm>
-            <a:off x="6097564" y="1482009"/>
-            <a:ext cx="609019" cy="609019"/>
-          </a:xfrm>
-          <a:prstGeom prst="rect">
-            <a:avLst/>
-          </a:prstGeom>
-          <a:noFill/>
-          <a:extLst>
-            <a:ext uri="{909E8E84-426E-40DD-AFC4-6F175D3DCCD1}">
-              <a14:hiddenFill xmlns:a14="http://schemas.microsoft.com/office/drawing/2010/main">
-                <a:solidFill>
-                  <a:srgbClr val="FFFFFF"/>
-                </a:solidFill>
-              </a14:hiddenFill>
-            </a:ext>
-          </a:extLst>
-        </p:spPr>
-      </p:pic>
-      <p:pic>
-        <p:nvPicPr>
-          <p:cNvPr id="6150" name="Picture 6" descr="Automatic Code Review, Testing, Inspection &amp; Auditing | SonarCloud">
-            <a:hlinkClick r:id="rId5"/>
-            <a:extLst>
-              <a:ext uri="{FF2B5EF4-FFF2-40B4-BE49-F238E27FC236}">
-                <a16:creationId xmlns:a16="http://schemas.microsoft.com/office/drawing/2014/main" id="{4C7993E9-E741-C8E1-96B9-C31B843C1EF9}"/>
-              </a:ext>
-            </a:extLst>
-          </p:cNvPr>
-          <p:cNvPicPr>
-            <a:picLocks noChangeAspect="1" noChangeArrowheads="1"/>
-          </p:cNvPicPr>
-          <p:nvPr/>
-        </p:nvPicPr>
-        <p:blipFill>
-          <a:blip r:embed="rId6">
-            <a:extLst>
-              <a:ext uri="{28A0092B-C50C-407E-A947-70E740481C1C}">
-                <a14:useLocalDpi xmlns:a14="http://schemas.microsoft.com/office/drawing/2010/main" val="0"/>
-              </a:ext>
-            </a:extLst>
-          </a:blip>
-          <a:srcRect/>
-          <a:stretch>
-            <a:fillRect/>
-          </a:stretch>
-        </p:blipFill>
-        <p:spPr bwMode="auto">
-          <a:xfrm>
-            <a:off x="6564443" y="2484135"/>
-            <a:ext cx="4000500" cy="1143000"/>
-          </a:xfrm>
-          <a:prstGeom prst="rect">
-            <a:avLst/>
-          </a:prstGeom>
-          <a:noFill/>
-          <a:extLst>
-            <a:ext uri="{909E8E84-426E-40DD-AFC4-6F175D3DCCD1}">
-              <a14:hiddenFill xmlns:a14="http://schemas.microsoft.com/office/drawing/2010/main">
-                <a:solidFill>
-                  <a:srgbClr val="FFFFFF"/>
-                </a:solidFill>
-              </a14:hiddenFill>
-            </a:ext>
-          </a:extLst>
-        </p:spPr>
-      </p:pic>
-      <p:sp>
-        <p:nvSpPr>
-          <p:cNvPr id="18" name="CuadroTexto 17">
-            <a:extLst>
-              <a:ext uri="{FF2B5EF4-FFF2-40B4-BE49-F238E27FC236}">
-                <a16:creationId xmlns:a16="http://schemas.microsoft.com/office/drawing/2014/main" id="{E440B29D-E139-FF77-8C0A-FD311556A824}"/>
-              </a:ext>
-            </a:extLst>
-          </p:cNvPr>
-          <p:cNvSpPr txBox="1"/>
-          <p:nvPr/>
-        </p:nvSpPr>
-        <p:spPr>
-          <a:xfrm>
-            <a:off x="2071909" y="6621137"/>
-            <a:ext cx="11799277" cy="307777"/>
-          </a:xfrm>
-          <a:prstGeom prst="rect">
-            <a:avLst/>
-          </a:prstGeom>
-          <a:noFill/>
-        </p:spPr>
-        <p:txBody>
-          <a:bodyPr wrap="square" rtlCol="0">
-            <a:spAutoFit/>
-          </a:bodyPr>
-          <a:lstStyle/>
-          <a:p>
-            <a:r>
-              <a:rPr lang="en-US" sz="1400" b="0" i="0" dirty="0">
-                <a:effectLst/>
-                <a:latin typeface="Arial" panose="020B0604020202020204" pitchFamily="34" charset="0"/>
-              </a:rPr>
-              <a:t>S. C. M. Reyes, “Player,” https://github.com/sc-martinez/Player/blob/master/TechnicalDebt%20-Tests.md, 2022.</a:t>
-            </a:r>
-            <a:endParaRPr lang="en-US" sz="1400" dirty="0"/>
-          </a:p>
-        </p:txBody>
-      </p:sp>
-      <p:pic>
-        <p:nvPicPr>
-          <p:cNvPr id="19" name="Imagen 18">
-            <a:extLst>
-              <a:ext uri="{FF2B5EF4-FFF2-40B4-BE49-F238E27FC236}">
-                <a16:creationId xmlns:a16="http://schemas.microsoft.com/office/drawing/2014/main" id="{C056354E-21E3-82A2-21A9-158ED71ED8D0}"/>
+                <a16:creationId xmlns:a16="http://schemas.microsoft.com/office/drawing/2014/main" id="{81DA6C40-0EEE-4904-8B5B-33D1D3F65511}"/>
               </a:ext>
             </a:extLst>
           </p:cNvPr>
@@ -8559,14 +8492,151 @@
           <p:nvPr/>
         </p:nvPicPr>
         <p:blipFill>
-          <a:blip r:embed="rId7"/>
+          <a:blip r:embed="rId4"/>
           <a:stretch>
             <a:fillRect/>
           </a:stretch>
         </p:blipFill>
         <p:spPr>
           <a:xfrm>
-            <a:off x="9343199" y="3784888"/>
+            <a:off x="0" y="4531805"/>
+            <a:ext cx="12049125" cy="847725"/>
+          </a:xfrm>
+          <a:prstGeom prst="rect">
+            <a:avLst/>
+          </a:prstGeom>
+        </p:spPr>
+      </p:pic>
+      <p:sp>
+        <p:nvSpPr>
+          <p:cNvPr id="11" name="CuadroTexto 10">
+            <a:extLst>
+              <a:ext uri="{FF2B5EF4-FFF2-40B4-BE49-F238E27FC236}">
+                <a16:creationId xmlns:a16="http://schemas.microsoft.com/office/drawing/2014/main" id="{548D25FB-81D1-9664-56F3-95E0D72CE40E}"/>
+              </a:ext>
+            </a:extLst>
+          </p:cNvPr>
+          <p:cNvSpPr txBox="1"/>
+          <p:nvPr/>
+        </p:nvSpPr>
+        <p:spPr>
+          <a:xfrm>
+            <a:off x="142875" y="2233713"/>
+            <a:ext cx="6176900" cy="461665"/>
+          </a:xfrm>
+          <a:prstGeom prst="rect">
+            <a:avLst/>
+          </a:prstGeom>
+          <a:noFill/>
+        </p:spPr>
+        <p:txBody>
+          <a:bodyPr wrap="square" rtlCol="0">
+            <a:spAutoFit/>
+          </a:bodyPr>
+          <a:lstStyle/>
+          <a:p>
+            <a:r>
+              <a:rPr lang="en-US" sz="2400" dirty="0" err="1">
+                <a:solidFill>
+                  <a:srgbClr val="FF0000"/>
+                </a:solidFill>
+              </a:rPr>
+              <a:t>Flujo</a:t>
+            </a:r>
+            <a:r>
+              <a:rPr lang="en-US" sz="2400" dirty="0">
+                <a:solidFill>
+                  <a:srgbClr val="FF0000"/>
+                </a:solidFill>
+              </a:rPr>
+              <a:t> </a:t>
+            </a:r>
+            <a:r>
+              <a:rPr lang="en-US" sz="2400" dirty="0" err="1">
+                <a:solidFill>
+                  <a:srgbClr val="FF0000"/>
+                </a:solidFill>
+              </a:rPr>
+              <a:t>Construcción</a:t>
+            </a:r>
+            <a:endParaRPr lang="en-US" sz="2400" dirty="0">
+              <a:solidFill>
+                <a:srgbClr val="FF0000"/>
+              </a:solidFill>
+            </a:endParaRPr>
+          </a:p>
+        </p:txBody>
+      </p:sp>
+      <p:sp>
+        <p:nvSpPr>
+          <p:cNvPr id="12" name="CuadroTexto 11">
+            <a:extLst>
+              <a:ext uri="{FF2B5EF4-FFF2-40B4-BE49-F238E27FC236}">
+                <a16:creationId xmlns:a16="http://schemas.microsoft.com/office/drawing/2014/main" id="{A1F0AA36-D34E-BC76-A811-DDAA8956FA3F}"/>
+              </a:ext>
+            </a:extLst>
+          </p:cNvPr>
+          <p:cNvSpPr txBox="1"/>
+          <p:nvPr/>
+        </p:nvSpPr>
+        <p:spPr>
+          <a:xfrm>
+            <a:off x="142875" y="4070140"/>
+            <a:ext cx="6176900" cy="461665"/>
+          </a:xfrm>
+          <a:prstGeom prst="rect">
+            <a:avLst/>
+          </a:prstGeom>
+          <a:noFill/>
+        </p:spPr>
+        <p:txBody>
+          <a:bodyPr wrap="square" rtlCol="0">
+            <a:spAutoFit/>
+          </a:bodyPr>
+          <a:lstStyle/>
+          <a:p>
+            <a:r>
+              <a:rPr lang="en-US" sz="2400" dirty="0" err="1">
+                <a:solidFill>
+                  <a:srgbClr val="FF0000"/>
+                </a:solidFill>
+              </a:rPr>
+              <a:t>Flujo</a:t>
+            </a:r>
+            <a:r>
+              <a:rPr lang="en-US" sz="2400" dirty="0">
+                <a:solidFill>
+                  <a:srgbClr val="FF0000"/>
+                </a:solidFill>
+              </a:rPr>
+              <a:t> Comunicaciones (Team Ops)</a:t>
+            </a:r>
+          </a:p>
+        </p:txBody>
+      </p:sp>
+      <p:pic>
+        <p:nvPicPr>
+          <p:cNvPr id="9" name="Imagen 8">
+            <a:extLst>
+              <a:ext uri="{FF2B5EF4-FFF2-40B4-BE49-F238E27FC236}">
+                <a16:creationId xmlns:a16="http://schemas.microsoft.com/office/drawing/2014/main" id="{04007E61-8B12-0967-21AB-66432A37CEB5}"/>
+              </a:ext>
+            </a:extLst>
+          </p:cNvPr>
+          <p:cNvPicPr>
+            <a:picLocks noChangeAspect="1"/>
+          </p:cNvPicPr>
+          <p:nvPr/>
+        </p:nvPicPr>
+        <p:blipFill>
+          <a:blip r:embed="rId5"/>
+          <a:stretch>
+            <a:fillRect/>
+          </a:stretch>
+        </p:blipFill>
+        <p:spPr>
+          <a:xfrm>
+            <a:off x="10448550" y="5345259"/>
             <a:ext cx="1511918" cy="1129439"/>
           </a:xfrm>
           <a:prstGeom prst="rect">
@@ -8577,7 +8647,7 @@
     </p:spTree>
     <p:extLst>
       <p:ext uri="{BB962C8B-B14F-4D97-AF65-F5344CB8AC3E}">
-        <p14:creationId xmlns:p14="http://schemas.microsoft.com/office/powerpoint/2010/main" val="101493907"/>
+        <p14:creationId xmlns:p14="http://schemas.microsoft.com/office/powerpoint/2010/main" val="3433663867"/>
       </p:ext>
     </p:extLst>
   </p:cSld>
@@ -8604,12 +8674,59 @@
           <a:chExt cx="0" cy="0"/>
         </a:xfrm>
       </p:grpSpPr>
+      <p:sp>
+        <p:nvSpPr>
+          <p:cNvPr id="2" name="CuadroTexto 1">
+            <a:extLst>
+              <a:ext uri="{FF2B5EF4-FFF2-40B4-BE49-F238E27FC236}">
+                <a16:creationId xmlns:a16="http://schemas.microsoft.com/office/drawing/2014/main" id="{98EBB1BA-DC62-3C73-93C3-5E6DA118EDB2}"/>
+              </a:ext>
+            </a:extLst>
+          </p:cNvPr>
+          <p:cNvSpPr txBox="1"/>
+          <p:nvPr/>
+        </p:nvSpPr>
+        <p:spPr>
+          <a:xfrm>
+            <a:off x="1459846" y="1511906"/>
+            <a:ext cx="6176900" cy="461665"/>
+          </a:xfrm>
+          <a:prstGeom prst="rect">
+            <a:avLst/>
+          </a:prstGeom>
+          <a:noFill/>
+        </p:spPr>
+        <p:txBody>
+          <a:bodyPr wrap="square" rtlCol="0">
+            <a:spAutoFit/>
+          </a:bodyPr>
+          <a:lstStyle/>
+          <a:p>
+            <a:r>
+              <a:rPr lang="en-US" sz="2400" dirty="0" err="1">
+                <a:solidFill>
+                  <a:srgbClr val="FF0000"/>
+                </a:solidFill>
+              </a:rPr>
+              <a:t>Arquitectura</a:t>
+            </a:r>
+            <a:r>
+              <a:rPr lang="en-US" sz="2400" dirty="0">
+                <a:solidFill>
+                  <a:srgbClr val="FF0000"/>
+                </a:solidFill>
+              </a:rPr>
+              <a:t> (ATAM + QAW)</a:t>
+            </a:r>
+          </a:p>
+        </p:txBody>
+      </p:sp>
       <p:pic>
         <p:nvPicPr>
-          <p:cNvPr id="7174" name="Picture 6" descr="Compatibilidad de Jira Align con Disciplined Agile (DA)">
+          <p:cNvPr id="3" name="Picture 10" descr="Arquitectura - Iconos gratis de arquitectura y ciudad">
             <a:extLst>
               <a:ext uri="{FF2B5EF4-FFF2-40B4-BE49-F238E27FC236}">
-                <a16:creationId xmlns:a16="http://schemas.microsoft.com/office/drawing/2014/main" id="{066A8198-C407-D305-7EBA-76449A23AEF4}"/>
+                <a16:creationId xmlns:a16="http://schemas.microsoft.com/office/drawing/2014/main" id="{15FD2315-2DE5-E52D-2696-06B05C4DF620}"/>
               </a:ext>
             </a:extLst>
           </p:cNvPr>
@@ -8633,8 +8750,8 @@
         </p:blipFill>
         <p:spPr bwMode="auto">
           <a:xfrm>
-            <a:off x="638787" y="1545343"/>
-            <a:ext cx="821059" cy="394792"/>
+            <a:off x="660928" y="1267961"/>
+            <a:ext cx="798918" cy="798918"/>
           </a:xfrm>
           <a:prstGeom prst="rect">
             <a:avLst/>
@@ -8651,144 +8768,59 @@
           </a:extLst>
         </p:spPr>
       </p:pic>
-      <p:sp>
-        <p:nvSpPr>
-          <p:cNvPr id="5" name="CuadroTexto 4">
+      <p:pic>
+        <p:nvPicPr>
+          <p:cNvPr id="8194" name="Picture 2">
             <a:extLst>
               <a:ext uri="{FF2B5EF4-FFF2-40B4-BE49-F238E27FC236}">
-                <a16:creationId xmlns:a16="http://schemas.microsoft.com/office/drawing/2014/main" id="{143AAF5B-37F1-0C59-EA3E-95BAC4E4B7A4}"/>
+                <a16:creationId xmlns:a16="http://schemas.microsoft.com/office/drawing/2014/main" id="{AAEC72B7-65B6-851C-6DAB-DD1DCA20BBD6}"/>
               </a:ext>
             </a:extLst>
           </p:cNvPr>
-          <p:cNvSpPr txBox="1"/>
+          <p:cNvPicPr>
+            <a:picLocks noChangeAspect="1" noChangeArrowheads="1"/>
+          </p:cNvPicPr>
           <p:nvPr/>
-        </p:nvSpPr>
-        <p:spPr>
-          <a:xfrm>
-            <a:off x="1459846" y="1511906"/>
-            <a:ext cx="6176900" cy="461665"/>
+        </p:nvPicPr>
+        <p:blipFill>
+          <a:blip r:embed="rId3">
+            <a:extLst>
+              <a:ext uri="{28A0092B-C50C-407E-A947-70E740481C1C}">
+                <a14:useLocalDpi xmlns:a14="http://schemas.microsoft.com/office/drawing/2010/main" val="0"/>
+              </a:ext>
+            </a:extLst>
+          </a:blip>
+          <a:srcRect/>
+          <a:stretch>
+            <a:fillRect/>
+          </a:stretch>
+        </p:blipFill>
+        <p:spPr bwMode="auto">
+          <a:xfrm>
+            <a:off x="660928" y="2278021"/>
+            <a:ext cx="5545363" cy="3769899"/>
           </a:xfrm>
           <a:prstGeom prst="rect">
             <a:avLst/>
           </a:prstGeom>
           <a:noFill/>
-        </p:spPr>
-        <p:txBody>
-          <a:bodyPr wrap="square" rtlCol="0">
-            <a:spAutoFit/>
-          </a:bodyPr>
-          <a:lstStyle/>
-          <a:p>
-            <a:r>
-              <a:rPr lang="en-US" sz="2400" dirty="0" err="1">
-                <a:solidFill>
-                  <a:srgbClr val="FF0000"/>
-                </a:solidFill>
-              </a:rPr>
-              <a:t>Integración</a:t>
-            </a:r>
-            <a:r>
-              <a:rPr lang="en-US" sz="2400" dirty="0">
-                <a:solidFill>
-                  <a:srgbClr val="FF0000"/>
-                </a:solidFill>
-              </a:rPr>
-              <a:t> Continua – </a:t>
-            </a:r>
-            <a:r>
-              <a:rPr lang="en-US" sz="2400" dirty="0" err="1">
-                <a:solidFill>
-                  <a:srgbClr val="FF0000"/>
-                </a:solidFill>
-              </a:rPr>
-              <a:t>Entrega</a:t>
-            </a:r>
-            <a:r>
-              <a:rPr lang="en-US" sz="2400" dirty="0">
-                <a:solidFill>
-                  <a:srgbClr val="FF0000"/>
-                </a:solidFill>
-              </a:rPr>
-              <a:t> continua (CI/CD)</a:t>
-            </a:r>
-          </a:p>
-        </p:txBody>
-      </p:sp>
-      <p:sp>
-        <p:nvSpPr>
-          <p:cNvPr id="6" name="CuadroTexto 5">
-            <a:extLst>
-              <a:ext uri="{FF2B5EF4-FFF2-40B4-BE49-F238E27FC236}">
-                <a16:creationId xmlns:a16="http://schemas.microsoft.com/office/drawing/2014/main" id="{0CAF7E41-DBAC-97FE-F936-91A4B1E72620}"/>
-              </a:ext>
-            </a:extLst>
-          </p:cNvPr>
-          <p:cNvSpPr txBox="1"/>
-          <p:nvPr/>
-        </p:nvSpPr>
-        <p:spPr>
-          <a:xfrm>
-            <a:off x="2490690" y="6474698"/>
-            <a:ext cx="11799277" cy="307777"/>
-          </a:xfrm>
-          <a:prstGeom prst="rect">
-            <a:avLst/>
-          </a:prstGeom>
-          <a:noFill/>
-        </p:spPr>
-        <p:txBody>
-          <a:bodyPr wrap="square" rtlCol="0">
-            <a:spAutoFit/>
-          </a:bodyPr>
-          <a:lstStyle/>
-          <a:p>
-            <a:r>
-              <a:rPr lang="en-US" sz="1400" b="0" i="0" dirty="0">
-                <a:effectLst/>
-                <a:latin typeface="Arial" panose="020B0604020202020204" pitchFamily="34" charset="0"/>
-              </a:rPr>
-              <a:t>S. C. M. Reyes, “Player,” https://github.com/sc-martinez/Player/blob/master/IntroducingCI.md, 2022.</a:t>
-            </a:r>
-            <a:endParaRPr lang="en-US" sz="1400" dirty="0"/>
-          </a:p>
-        </p:txBody>
-      </p:sp>
-      <p:pic>
-        <p:nvPicPr>
-          <p:cNvPr id="3" name="Imagen 2">
-            <a:extLst>
-              <a:ext uri="{FF2B5EF4-FFF2-40B4-BE49-F238E27FC236}">
-                <a16:creationId xmlns:a16="http://schemas.microsoft.com/office/drawing/2014/main" id="{EF163AD3-3142-EC19-9164-378A57BF43E9}"/>
-              </a:ext>
-            </a:extLst>
-          </p:cNvPr>
-          <p:cNvPicPr>
-            <a:picLocks noChangeAspect="1"/>
-          </p:cNvPicPr>
-          <p:nvPr/>
-        </p:nvPicPr>
-        <p:blipFill>
-          <a:blip r:embed="rId3"/>
-          <a:stretch>
-            <a:fillRect/>
-          </a:stretch>
-        </p:blipFill>
-        <p:spPr>
-          <a:xfrm>
-            <a:off x="0" y="2464546"/>
-            <a:ext cx="12192000" cy="1667685"/>
-          </a:xfrm>
-          <a:prstGeom prst="rect">
-            <a:avLst/>
-          </a:prstGeom>
+          <a:extLst>
+            <a:ext uri="{909E8E84-426E-40DD-AFC4-6F175D3DCCD1}">
+              <a14:hiddenFill xmlns:a14="http://schemas.microsoft.com/office/drawing/2010/main">
+                <a:solidFill>
+                  <a:srgbClr val="FFFFFF"/>
+                </a:solidFill>
+              </a14:hiddenFill>
+            </a:ext>
+          </a:extLst>
         </p:spPr>
       </p:pic>
       <p:pic>
         <p:nvPicPr>
-          <p:cNvPr id="7" name="Imagen 6">
+          <p:cNvPr id="5" name="Imagen 4">
             <a:extLst>
               <a:ext uri="{FF2B5EF4-FFF2-40B4-BE49-F238E27FC236}">
-                <a16:creationId xmlns:a16="http://schemas.microsoft.com/office/drawing/2014/main" id="{81DA6C40-0EEE-4904-8B5B-33D1D3F65511}"/>
+                <a16:creationId xmlns:a16="http://schemas.microsoft.com/office/drawing/2014/main" id="{671314E3-22E4-E53B-CFE9-5F6CC0021F9B}"/>
               </a:ext>
             </a:extLst>
           </p:cNvPr>
@@ -8805,8 +8837,8 @@
         </p:blipFill>
         <p:spPr>
           <a:xfrm>
-            <a:off x="0" y="4531805"/>
-            <a:ext cx="12049125" cy="847725"/>
+            <a:off x="6637174" y="2066879"/>
+            <a:ext cx="5151413" cy="4081994"/>
           </a:xfrm>
           <a:prstGeom prst="rect">
             <a:avLst/>
@@ -8815,10 +8847,10 @@
       </p:pic>
       <p:sp>
         <p:nvSpPr>
-          <p:cNvPr id="11" name="CuadroTexto 10">
+          <p:cNvPr id="8" name="CuadroTexto 7">
             <a:extLst>
               <a:ext uri="{FF2B5EF4-FFF2-40B4-BE49-F238E27FC236}">
-                <a16:creationId xmlns:a16="http://schemas.microsoft.com/office/drawing/2014/main" id="{548D25FB-81D1-9664-56F3-95E0D72CE40E}"/>
+                <a16:creationId xmlns:a16="http://schemas.microsoft.com/office/drawing/2014/main" id="{436CB263-1F68-ACE4-06B5-6A6495F7C91B}"/>
               </a:ext>
             </a:extLst>
           </p:cNvPr>
@@ -8827,8 +8859,8 @@
         </p:nvSpPr>
         <p:spPr>
           <a:xfrm>
-            <a:off x="142875" y="2233713"/>
-            <a:ext cx="6176900" cy="461665"/>
+            <a:off x="2490690" y="6474698"/>
+            <a:ext cx="11799277" cy="307777"/>
           </a:xfrm>
           <a:prstGeom prst="rect">
             <a:avLst/>
@@ -8842,124 +8874,104 @@
           <a:lstStyle/>
           <a:p>
             <a:r>
-              <a:rPr lang="en-US" sz="2400" dirty="0" err="1">
-                <a:solidFill>
-                  <a:srgbClr val="FF0000"/>
-                </a:solidFill>
-              </a:rPr>
-              <a:t>Flujo</a:t>
-            </a:r>
-            <a:r>
-              <a:rPr lang="en-US" sz="2400" dirty="0">
-                <a:solidFill>
-                  <a:srgbClr val="FF0000"/>
-                </a:solidFill>
-              </a:rPr>
-              <a:t> </a:t>
-            </a:r>
-            <a:r>
-              <a:rPr lang="en-US" sz="2400" dirty="0" err="1">
-                <a:solidFill>
-                  <a:srgbClr val="FF0000"/>
-                </a:solidFill>
-              </a:rPr>
-              <a:t>Construcción</a:t>
-            </a:r>
-            <a:endParaRPr lang="en-US" sz="2400" dirty="0">
-              <a:solidFill>
-                <a:srgbClr val="FF0000"/>
-              </a:solidFill>
-            </a:endParaRPr>
+              <a:rPr lang="en-US" sz="1400" b="0" i="0" dirty="0">
+                <a:effectLst/>
+                <a:latin typeface="Arial" panose="020B0604020202020204" pitchFamily="34" charset="0"/>
+              </a:rPr>
+              <a:t>S. C. M. Reyes, “Player,” https://github.com/sc-martinez/Player/blob/master/ATAM%2BQAW.md, 2022.</a:t>
+            </a:r>
+            <a:endParaRPr lang="en-US" sz="1400" dirty="0"/>
           </a:p>
         </p:txBody>
       </p:sp>
-      <p:sp>
-        <p:nvSpPr>
-          <p:cNvPr id="12" name="CuadroTexto 11">
-            <a:extLst>
-              <a:ext uri="{FF2B5EF4-FFF2-40B4-BE49-F238E27FC236}">
-                <a16:creationId xmlns:a16="http://schemas.microsoft.com/office/drawing/2014/main" id="{A1F0AA36-D34E-BC76-A811-DDAA8956FA3F}"/>
-              </a:ext>
-            </a:extLst>
-          </p:cNvPr>
-          <p:cNvSpPr txBox="1"/>
-          <p:nvPr/>
-        </p:nvSpPr>
-        <p:spPr>
-          <a:xfrm>
-            <a:off x="142875" y="4070140"/>
-            <a:ext cx="6176900" cy="461665"/>
-          </a:xfrm>
-          <a:prstGeom prst="rect">
-            <a:avLst/>
-          </a:prstGeom>
-          <a:noFill/>
-        </p:spPr>
-        <p:txBody>
-          <a:bodyPr wrap="square" rtlCol="0">
-            <a:spAutoFit/>
-          </a:bodyPr>
-          <a:lstStyle/>
-          <a:p>
-            <a:r>
-              <a:rPr lang="en-US" sz="2400" dirty="0" err="1">
-                <a:solidFill>
-                  <a:srgbClr val="FF0000"/>
-                </a:solidFill>
-              </a:rPr>
-              <a:t>Flujo</a:t>
-            </a:r>
-            <a:r>
-              <a:rPr lang="en-US" sz="2400" dirty="0">
-                <a:solidFill>
-                  <a:srgbClr val="FF0000"/>
-                </a:solidFill>
-              </a:rPr>
-              <a:t> Comunicaciones (Team Ops)</a:t>
-            </a:r>
-          </a:p>
-        </p:txBody>
-      </p:sp>
-      <p:pic>
-        <p:nvPicPr>
-          <p:cNvPr id="9" name="Imagen 8">
-            <a:extLst>
-              <a:ext uri="{FF2B5EF4-FFF2-40B4-BE49-F238E27FC236}">
-                <a16:creationId xmlns:a16="http://schemas.microsoft.com/office/drawing/2014/main" id="{04007E61-8B12-0967-21AB-66432A37CEB5}"/>
-              </a:ext>
-            </a:extLst>
-          </p:cNvPr>
-          <p:cNvPicPr>
-            <a:picLocks noChangeAspect="1"/>
-          </p:cNvPicPr>
-          <p:nvPr/>
-        </p:nvPicPr>
-        <p:blipFill>
-          <a:blip r:embed="rId5"/>
-          <a:stretch>
-            <a:fillRect/>
-          </a:stretch>
-        </p:blipFill>
-        <p:spPr>
-          <a:xfrm>
-            <a:off x="10448550" y="5345259"/>
-            <a:ext cx="1511918" cy="1129439"/>
-          </a:xfrm>
-          <a:prstGeom prst="rect">
-            <a:avLst/>
-          </a:prstGeom>
-        </p:spPr>
-      </p:pic>
     </p:spTree>
     <p:extLst>
       <p:ext uri="{BB962C8B-B14F-4D97-AF65-F5344CB8AC3E}">
-        <p14:creationId xmlns:p14="http://schemas.microsoft.com/office/powerpoint/2010/main" val="3433663867"/>
+        <p14:creationId xmlns:p14="http://schemas.microsoft.com/office/powerpoint/2010/main" val="4087989333"/>
       </p:ext>
     </p:extLst>
   </p:cSld>
   <p:clrMapOvr>
     <a:masterClrMapping/>
   </p:clrMapOvr>
+  <p:timing>
+    <p:tnLst>
+      <p:par>
+        <p:cTn id="1" dur="indefinite" restart="never" nodeType="tmRoot">
+          <p:childTnLst>
+            <p:seq concurrent="1" nextAc="seek">
+              <p:cTn id="2" dur="indefinite" nodeType="mainSeq">
+                <p:childTnLst>
+                  <p:par>
+                    <p:cTn id="3" fill="hold">
+                      <p:stCondLst>
+                        <p:cond delay="indefinite"/>
+                        <p:cond evt="onBegin" delay="0">
+                          <p:tn val="2"/>
+                        </p:cond>
+                      </p:stCondLst>
+                      <p:childTnLst>
+                        <p:par>
+                          <p:cTn id="4" fill="hold">
+                            <p:stCondLst>
+                              <p:cond delay="0"/>
+                            </p:stCondLst>
+                            <p:childTnLst>
+                              <p:par>
+                                <p:cTn id="5" presetID="1" presetClass="entr" presetSubtype="0" fill="hold" nodeType="withEffect">
+                                  <p:stCondLst>
+                                    <p:cond delay="0"/>
+                                  </p:stCondLst>
+                                  <p:childTnLst>
+                                    <p:set>
+                                      <p:cBhvr>
+                                        <p:cTn id="6" dur="1" fill="hold">
+                                          <p:stCondLst>
+                                            <p:cond delay="0"/>
+                                          </p:stCondLst>
+                                        </p:cTn>
+                                        <p:tgtEl>
+                                          <p:spTgt spid="3"/>
+                                        </p:tgtEl>
+                                        <p:attrNameLst>
+                                          <p:attrName>style.visibility</p:attrName>
+                                        </p:attrNameLst>
+                                      </p:cBhvr>
+                                      <p:to>
+                                        <p:strVal val="visible"/>
+                                      </p:to>
+                                    </p:set>
+                                  </p:childTnLst>
+                                </p:cTn>
+                              </p:par>
+                            </p:childTnLst>
+                          </p:cTn>
+                        </p:par>
+                      </p:childTnLst>
+                    </p:cTn>
+                  </p:par>
+                </p:childTnLst>
+              </p:cTn>
+              <p:prevCondLst>
+                <p:cond evt="onPrev" delay="0">
+                  <p:tgtEl>
+                    <p:sldTgt/>
+                  </p:tgtEl>
+                </p:cond>
+              </p:prevCondLst>
+              <p:nextCondLst>
+                <p:cond evt="onNext" delay="0">
+                  <p:tgtEl>
+                    <p:sldTgt/>
+                  </p:tgtEl>
+                </p:cond>
+              </p:nextCondLst>
+            </p:seq>
+          </p:childTnLst>
+        </p:cTn>
+      </p:par>
+    </p:tnLst>
+  </p:timing>
 </p:sld>
 </file>
 

--- a/CSDT-Presentación.pptx
+++ b/CSDT-Presentación.pptx
@@ -2973,7 +2973,20 @@
                 <a:effectLst/>
                 <a:latin typeface="Arial" panose="020B0604020202020204" pitchFamily="34" charset="0"/>
               </a:rPr>
-              <a:t>Un caso de uso: "Recuperando el reproductor de audio“ – Ing. Sebastián Camilo Martínez reyes</a:t>
+              <a:t>Un caso de </a:t>
+            </a:r>
+            <a:r>
+              <a:rPr lang="es-ES" sz="1600" i="0" dirty="0">
+                <a:latin typeface="Arial" panose="020B0604020202020204" pitchFamily="34" charset="0"/>
+              </a:rPr>
+              <a:t>estudio</a:t>
+            </a:r>
+            <a:r>
+              <a:rPr lang="es-ES" sz="1600" b="0" i="0" dirty="0">
+                <a:effectLst/>
+                <a:latin typeface="Arial" panose="020B0604020202020204" pitchFamily="34" charset="0"/>
+              </a:rPr>
+              <a:t>: "Recuperando el reproductor de audio“ – Ing. Sebastián Camilo Martínez reyes</a:t>
             </a:r>
             <a:endParaRPr lang="es-CO" sz="1600" dirty="0"/>
           </a:p>

--- a/CSDT-Presentación.pptx
+++ b/CSDT-Presentación.pptx
@@ -5782,21 +5782,7 @@
                 <a:effectLst/>
                 <a:latin typeface="Arial" panose="020B0604020202020204" pitchFamily="34" charset="0"/>
               </a:rPr>
-              <a:t>de </a:t>
-            </a:r>
-            <a:r>
-              <a:rPr lang="es-ES" sz="1600" b="0" i="0" dirty="0" err="1">
-                <a:effectLst/>
-                <a:latin typeface="Arial" panose="020B0604020202020204" pitchFamily="34" charset="0"/>
-              </a:rPr>
-              <a:t>anális</a:t>
-            </a:r>
-            <a:r>
-              <a:rPr lang="es-ES" sz="1600" b="0" i="0" dirty="0">
-                <a:effectLst/>
-                <a:latin typeface="Arial" panose="020B0604020202020204" pitchFamily="34" charset="0"/>
-              </a:rPr>
-              <a:t> estático de código.</a:t>
+              <a:t>de análisis estático de código.</a:t>
             </a:r>
           </a:p>
           <a:p>
